--- a/Internet of Things.pptx
+++ b/Internet of Things.pptx
@@ -6,11 +6,27 @@
   </p:sldMasterIdLst>
   <p:sldIdLst>
     <p:sldId id="256" r:id="rId2"/>
-    <p:sldId id="257" r:id="rId3"/>
-    <p:sldId id="261" r:id="rId4"/>
-    <p:sldId id="258" r:id="rId5"/>
-    <p:sldId id="259" r:id="rId6"/>
-    <p:sldId id="260" r:id="rId7"/>
+    <p:sldId id="270" r:id="rId3"/>
+    <p:sldId id="263" r:id="rId4"/>
+    <p:sldId id="265" r:id="rId5"/>
+    <p:sldId id="266" r:id="rId6"/>
+    <p:sldId id="268" r:id="rId7"/>
+    <p:sldId id="269" r:id="rId8"/>
+    <p:sldId id="271" r:id="rId9"/>
+    <p:sldId id="272" r:id="rId10"/>
+    <p:sldId id="257" r:id="rId11"/>
+    <p:sldId id="261" r:id="rId12"/>
+    <p:sldId id="264" r:id="rId13"/>
+    <p:sldId id="262" r:id="rId14"/>
+    <p:sldId id="258" r:id="rId15"/>
+    <p:sldId id="259" r:id="rId16"/>
+    <p:sldId id="260" r:id="rId17"/>
+    <p:sldId id="267" r:id="rId18"/>
+    <p:sldId id="273" r:id="rId19"/>
+    <p:sldId id="274" r:id="rId20"/>
+    <p:sldId id="275" r:id="rId21"/>
+    <p:sldId id="276" r:id="rId22"/>
+    <p:sldId id="277" r:id="rId23"/>
   </p:sldIdLst>
   <p:sldSz cx="12192000" cy="6858000"/>
   <p:notesSz cx="6858000" cy="9144000"/>
@@ -109,6 +125,11 @@
       </a:defRPr>
     </a:lvl9pPr>
   </p:defaultTextStyle>
+  <p:extLst>
+    <p:ext uri="{EFAFB233-063F-42B5-8137-9DF3F51BA10A}">
+      <p15:sldGuideLst xmlns:p15="http://schemas.microsoft.com/office/powerpoint/2012/main"/>
+    </p:ext>
+  </p:extLst>
 </p:presentation>
 </file>
 
@@ -834,7 +855,7 @@
           <a:p>
             <a:fld id="{A1CF1D4E-70F0-4F45-A830-2E6F1BF1F565}" type="datetimeFigureOut">
               <a:rPr lang="en-IN" smtClean="0"/>
-              <a:t>18-07-2019</a:t>
+              <a:t>19-07-2019</a:t>
             </a:fld>
             <a:endParaRPr lang="en-IN"/>
           </a:p>
@@ -1085,7 +1106,7 @@
           <a:p>
             <a:fld id="{A1CF1D4E-70F0-4F45-A830-2E6F1BF1F565}" type="datetimeFigureOut">
               <a:rPr lang="en-IN" smtClean="0"/>
-              <a:t>18-07-2019</a:t>
+              <a:t>19-07-2019</a:t>
             </a:fld>
             <a:endParaRPr lang="en-IN"/>
           </a:p>
@@ -1399,7 +1420,7 @@
           <a:p>
             <a:fld id="{A1CF1D4E-70F0-4F45-A830-2E6F1BF1F565}" type="datetimeFigureOut">
               <a:rPr lang="en-IN" smtClean="0"/>
-              <a:t>18-07-2019</a:t>
+              <a:t>19-07-2019</a:t>
             </a:fld>
             <a:endParaRPr lang="en-IN"/>
           </a:p>
@@ -1740,7 +1761,7 @@
           <a:p>
             <a:fld id="{A1CF1D4E-70F0-4F45-A830-2E6F1BF1F565}" type="datetimeFigureOut">
               <a:rPr lang="en-IN" smtClean="0"/>
-              <a:t>18-07-2019</a:t>
+              <a:t>19-07-2019</a:t>
             </a:fld>
             <a:endParaRPr lang="en-IN"/>
           </a:p>
@@ -2054,7 +2075,7 @@
           <a:p>
             <a:fld id="{A1CF1D4E-70F0-4F45-A830-2E6F1BF1F565}" type="datetimeFigureOut">
               <a:rPr lang="en-IN" smtClean="0"/>
-              <a:t>18-07-2019</a:t>
+              <a:t>19-07-2019</a:t>
             </a:fld>
             <a:endParaRPr lang="en-IN"/>
           </a:p>
@@ -2447,7 +2468,7 @@
           <a:p>
             <a:fld id="{A1CF1D4E-70F0-4F45-A830-2E6F1BF1F565}" type="datetimeFigureOut">
               <a:rPr lang="en-IN" smtClean="0"/>
-              <a:t>18-07-2019</a:t>
+              <a:t>19-07-2019</a:t>
             </a:fld>
             <a:endParaRPr lang="en-IN"/>
           </a:p>
@@ -2617,7 +2638,7 @@
           <a:p>
             <a:fld id="{A1CF1D4E-70F0-4F45-A830-2E6F1BF1F565}" type="datetimeFigureOut">
               <a:rPr lang="en-IN" smtClean="0"/>
-              <a:t>18-07-2019</a:t>
+              <a:t>19-07-2019</a:t>
             </a:fld>
             <a:endParaRPr lang="en-IN"/>
           </a:p>
@@ -2797,7 +2818,7 @@
           <a:p>
             <a:fld id="{A1CF1D4E-70F0-4F45-A830-2E6F1BF1F565}" type="datetimeFigureOut">
               <a:rPr lang="en-IN" smtClean="0"/>
-              <a:t>18-07-2019</a:t>
+              <a:t>19-07-2019</a:t>
             </a:fld>
             <a:endParaRPr lang="en-IN"/>
           </a:p>
@@ -2973,7 +2994,7 @@
           <a:p>
             <a:fld id="{A1CF1D4E-70F0-4F45-A830-2E6F1BF1F565}" type="datetimeFigureOut">
               <a:rPr lang="en-IN" smtClean="0"/>
-              <a:t>18-07-2019</a:t>
+              <a:t>19-07-2019</a:t>
             </a:fld>
             <a:endParaRPr lang="en-IN"/>
           </a:p>
@@ -3220,7 +3241,7 @@
           <a:p>
             <a:fld id="{A1CF1D4E-70F0-4F45-A830-2E6F1BF1F565}" type="datetimeFigureOut">
               <a:rPr lang="en-IN" smtClean="0"/>
-              <a:t>18-07-2019</a:t>
+              <a:t>19-07-2019</a:t>
             </a:fld>
             <a:endParaRPr lang="en-IN"/>
           </a:p>
@@ -3452,7 +3473,7 @@
           <a:p>
             <a:fld id="{A1CF1D4E-70F0-4F45-A830-2E6F1BF1F565}" type="datetimeFigureOut">
               <a:rPr lang="en-IN" smtClean="0"/>
-              <a:t>18-07-2019</a:t>
+              <a:t>19-07-2019</a:t>
             </a:fld>
             <a:endParaRPr lang="en-IN"/>
           </a:p>
@@ -3831,7 +3852,7 @@
           <a:p>
             <a:fld id="{A1CF1D4E-70F0-4F45-A830-2E6F1BF1F565}" type="datetimeFigureOut">
               <a:rPr lang="en-IN" smtClean="0"/>
-              <a:t>18-07-2019</a:t>
+              <a:t>19-07-2019</a:t>
             </a:fld>
             <a:endParaRPr lang="en-IN"/>
           </a:p>
@@ -3959,7 +3980,7 @@
           <a:p>
             <a:fld id="{A1CF1D4E-70F0-4F45-A830-2E6F1BF1F565}" type="datetimeFigureOut">
               <a:rPr lang="en-IN" smtClean="0"/>
-              <a:t>18-07-2019</a:t>
+              <a:t>19-07-2019</a:t>
             </a:fld>
             <a:endParaRPr lang="en-IN"/>
           </a:p>
@@ -4054,7 +4075,7 @@
           <a:p>
             <a:fld id="{A1CF1D4E-70F0-4F45-A830-2E6F1BF1F565}" type="datetimeFigureOut">
               <a:rPr lang="en-IN" smtClean="0"/>
-              <a:t>18-07-2019</a:t>
+              <a:t>19-07-2019</a:t>
             </a:fld>
             <a:endParaRPr lang="en-IN"/>
           </a:p>
@@ -4309,7 +4330,7 @@
           <a:p>
             <a:fld id="{A1CF1D4E-70F0-4F45-A830-2E6F1BF1F565}" type="datetimeFigureOut">
               <a:rPr lang="en-IN" smtClean="0"/>
-              <a:t>18-07-2019</a:t>
+              <a:t>19-07-2019</a:t>
             </a:fld>
             <a:endParaRPr lang="en-IN"/>
           </a:p>
@@ -4577,7 +4598,7 @@
           <a:p>
             <a:fld id="{A1CF1D4E-70F0-4F45-A830-2E6F1BF1F565}" type="datetimeFigureOut">
               <a:rPr lang="en-IN" smtClean="0"/>
-              <a:t>18-07-2019</a:t>
+              <a:t>19-07-2019</a:t>
             </a:fld>
             <a:endParaRPr lang="en-IN"/>
           </a:p>
@@ -5320,7 +5341,7 @@
           <a:p>
             <a:fld id="{A1CF1D4E-70F0-4F45-A830-2E6F1BF1F565}" type="datetimeFigureOut">
               <a:rPr lang="en-IN" smtClean="0"/>
-              <a:t>18-07-2019</a:t>
+              <a:t>19-07-2019</a:t>
             </a:fld>
             <a:endParaRPr lang="en-IN"/>
           </a:p>
@@ -5916,6 +5937,1365 @@
   <p:clrMapOvr>
     <a:masterClrMapping/>
   </p:clrMapOvr>
+  <p:timing>
+    <p:tnLst>
+      <p:par>
+        <p:cTn id="1" dur="indefinite" restart="never" nodeType="tmRoot"/>
+      </p:par>
+    </p:tnLst>
+  </p:timing>
+</p:sld>
+</file>
+
+<file path=ppt/slides/slide10.xml><?xml version="1.0" encoding="utf-8"?>
+<p:sld xmlns:a="http://schemas.openxmlformats.org/drawingml/2006/main" xmlns:r="http://schemas.openxmlformats.org/officeDocument/2006/relationships" xmlns:p="http://schemas.openxmlformats.org/presentationml/2006/main">
+  <p:cSld>
+    <p:spTree>
+      <p:nvGrpSpPr>
+        <p:cNvPr id="1" name=""/>
+        <p:cNvGrpSpPr/>
+        <p:nvPr/>
+      </p:nvGrpSpPr>
+      <p:grpSpPr>
+        <a:xfrm>
+          <a:off x="0" y="0"/>
+          <a:ext cx="0" cy="0"/>
+          <a:chOff x="0" y="0"/>
+          <a:chExt cx="0" cy="0"/>
+        </a:xfrm>
+      </p:grpSpPr>
+      <p:sp>
+        <p:nvSpPr>
+          <p:cNvPr id="2" name="Title 1"/>
+          <p:cNvSpPr>
+            <a:spLocks noGrp="1"/>
+          </p:cNvSpPr>
+          <p:nvPr>
+            <p:ph type="title"/>
+          </p:nvPr>
+        </p:nvSpPr>
+        <p:spPr>
+          <a:xfrm>
+            <a:off x="311575" y="457200"/>
+            <a:ext cx="8596668" cy="621654"/>
+          </a:xfrm>
+        </p:spPr>
+        <p:txBody>
+          <a:bodyPr>
+            <a:normAutofit fontScale="90000"/>
+          </a:bodyPr>
+          <a:lstStyle/>
+          <a:p>
+            <a:r>
+              <a:rPr lang="en-IN" dirty="0" smtClean="0"/>
+              <a:t>ESP8266 – 12E (</a:t>
+            </a:r>
+            <a:r>
+              <a:rPr lang="en-IN" dirty="0"/>
+              <a:t>Wi-Fi microchip</a:t>
+            </a:r>
+            <a:r>
+              <a:rPr lang="en-IN" dirty="0" smtClean="0"/>
+              <a:t>) </a:t>
+            </a:r>
+            <a:endParaRPr lang="en-IN" dirty="0"/>
+          </a:p>
+        </p:txBody>
+      </p:sp>
+      <p:sp>
+        <p:nvSpPr>
+          <p:cNvPr id="3" name="Text Placeholder 2"/>
+          <p:cNvSpPr>
+            <a:spLocks noGrp="1"/>
+          </p:cNvSpPr>
+          <p:nvPr>
+            <p:ph type="body" idx="1"/>
+          </p:nvPr>
+        </p:nvSpPr>
+        <p:spPr>
+          <a:xfrm>
+            <a:off x="311575" y="2399736"/>
+            <a:ext cx="8596668" cy="2781864"/>
+          </a:xfrm>
+        </p:spPr>
+        <p:txBody>
+          <a:bodyPr/>
+          <a:lstStyle/>
+          <a:p>
+            <a:r>
+              <a:rPr lang="en-IN" dirty="0" smtClean="0"/>
+              <a:t>- Why ESP8266, why not my </a:t>
+            </a:r>
+            <a:r>
+              <a:rPr lang="en-IN" dirty="0" smtClean="0"/>
+              <a:t>PC, </a:t>
+            </a:r>
+            <a:r>
+              <a:rPr lang="en-IN" dirty="0" smtClean="0"/>
+              <a:t>smartphone </a:t>
+            </a:r>
+            <a:r>
+              <a:rPr lang="en-IN" dirty="0" smtClean="0"/>
+              <a:t>or </a:t>
+            </a:r>
+            <a:r>
+              <a:rPr lang="en-IN" dirty="0" smtClean="0"/>
+              <a:t>other Microcontrollers </a:t>
+            </a:r>
+            <a:r>
+              <a:rPr lang="en-IN" dirty="0" smtClean="0"/>
+              <a:t>?</a:t>
+            </a:r>
+            <a:endParaRPr lang="en-IN" dirty="0" smtClean="0"/>
+          </a:p>
+          <a:p>
+            <a:r>
+              <a:rPr lang="en-IN" dirty="0" smtClean="0"/>
+              <a:t>- Other variants / alternatives ?</a:t>
+            </a:r>
+          </a:p>
+          <a:p>
+            <a:endParaRPr lang="en-IN" dirty="0" smtClean="0"/>
+          </a:p>
+          <a:p>
+            <a:endParaRPr lang="en-IN" dirty="0" smtClean="0"/>
+          </a:p>
+        </p:txBody>
+      </p:sp>
+    </p:spTree>
+    <p:extLst>
+      <p:ext uri="{BB962C8B-B14F-4D97-AF65-F5344CB8AC3E}">
+        <p14:creationId xmlns:p14="http://schemas.microsoft.com/office/powerpoint/2010/main" val="1094064368"/>
+      </p:ext>
+    </p:extLst>
+  </p:cSld>
+  <p:clrMapOvr>
+    <a:masterClrMapping/>
+  </p:clrMapOvr>
+  <p:timing>
+    <p:tnLst>
+      <p:par>
+        <p:cTn id="1" dur="indefinite" restart="never" nodeType="tmRoot"/>
+      </p:par>
+    </p:tnLst>
+  </p:timing>
+</p:sld>
+</file>
+
+<file path=ppt/slides/slide11.xml><?xml version="1.0" encoding="utf-8"?>
+<p:sld xmlns:a="http://schemas.openxmlformats.org/drawingml/2006/main" xmlns:r="http://schemas.openxmlformats.org/officeDocument/2006/relationships" xmlns:p="http://schemas.openxmlformats.org/presentationml/2006/main">
+  <p:cSld>
+    <p:spTree>
+      <p:nvGrpSpPr>
+        <p:cNvPr id="1" name=""/>
+        <p:cNvGrpSpPr/>
+        <p:nvPr/>
+      </p:nvGrpSpPr>
+      <p:grpSpPr>
+        <a:xfrm>
+          <a:off x="0" y="0"/>
+          <a:ext cx="0" cy="0"/>
+          <a:chOff x="0" y="0"/>
+          <a:chExt cx="0" cy="0"/>
+        </a:xfrm>
+      </p:grpSpPr>
+      <p:sp>
+        <p:nvSpPr>
+          <p:cNvPr id="2" name="Title 1"/>
+          <p:cNvSpPr>
+            <a:spLocks noGrp="1"/>
+          </p:cNvSpPr>
+          <p:nvPr>
+            <p:ph type="title"/>
+          </p:nvPr>
+        </p:nvSpPr>
+        <p:spPr>
+          <a:xfrm>
+            <a:off x="353485" y="533400"/>
+            <a:ext cx="8596668" cy="641248"/>
+          </a:xfrm>
+        </p:spPr>
+        <p:txBody>
+          <a:bodyPr>
+            <a:normAutofit fontScale="90000"/>
+          </a:bodyPr>
+          <a:lstStyle/>
+          <a:p>
+            <a:r>
+              <a:rPr lang="en-IN" dirty="0" smtClean="0"/>
+              <a:t>Other </a:t>
+            </a:r>
+            <a:r>
+              <a:rPr lang="en-IN" dirty="0" smtClean="0"/>
+              <a:t>Variants*</a:t>
+            </a:r>
+            <a:endParaRPr lang="en-IN" dirty="0"/>
+          </a:p>
+        </p:txBody>
+      </p:sp>
+      <p:sp>
+        <p:nvSpPr>
+          <p:cNvPr id="4" name="AutoShape 4" descr="Related image"/>
+          <p:cNvSpPr>
+            <a:spLocks noChangeAspect="1" noChangeArrowheads="1"/>
+          </p:cNvSpPr>
+          <p:nvPr/>
+        </p:nvSpPr>
+        <p:spPr bwMode="auto">
+          <a:xfrm>
+            <a:off x="155575" y="-144463"/>
+            <a:ext cx="304800" cy="304801"/>
+          </a:xfrm>
+          <a:prstGeom prst="rect">
+            <a:avLst/>
+          </a:prstGeom>
+          <a:noFill/>
+          <a:extLst>
+            <a:ext uri="{909E8E84-426E-40DD-AFC4-6F175D3DCCD1}">
+              <a14:hiddenFill xmlns:a14="http://schemas.microsoft.com/office/drawing/2010/main">
+                <a:solidFill>
+                  <a:srgbClr val="FFFFFF"/>
+                </a:solidFill>
+              </a14:hiddenFill>
+            </a:ext>
+          </a:extLst>
+        </p:spPr>
+        <p:txBody>
+          <a:bodyPr vert="horz" wrap="square" lIns="91440" tIns="45720" rIns="91440" bIns="45720" numCol="1" anchor="t" anchorCtr="0" compatLnSpc="1">
+            <a:prstTxWarp prst="textNoShape">
+              <a:avLst/>
+            </a:prstTxWarp>
+          </a:bodyPr>
+          <a:lstStyle/>
+          <a:p>
+            <a:endParaRPr lang="en-IN"/>
+          </a:p>
+        </p:txBody>
+      </p:sp>
+      <p:pic>
+        <p:nvPicPr>
+          <p:cNvPr id="5" name="Picture 4"/>
+          <p:cNvPicPr>
+            <a:picLocks noChangeAspect="1"/>
+          </p:cNvPicPr>
+          <p:nvPr/>
+        </p:nvPicPr>
+        <p:blipFill>
+          <a:blip r:embed="rId2">
+            <a:extLst>
+              <a:ext uri="{28A0092B-C50C-407E-A947-70E740481C1C}">
+                <a14:useLocalDpi xmlns:a14="http://schemas.microsoft.com/office/drawing/2010/main" val="0"/>
+              </a:ext>
+            </a:extLst>
+          </a:blip>
+          <a:stretch>
+            <a:fillRect/>
+          </a:stretch>
+        </p:blipFill>
+        <p:spPr>
+          <a:xfrm>
+            <a:off x="6442075" y="1666025"/>
+            <a:ext cx="3275310" cy="3275310"/>
+          </a:xfrm>
+          <a:prstGeom prst="rect">
+            <a:avLst/>
+          </a:prstGeom>
+        </p:spPr>
+      </p:pic>
+      <p:pic>
+        <p:nvPicPr>
+          <p:cNvPr id="3074" name="Picture 2" descr="Image result for esp8266 variants"/>
+          <p:cNvPicPr>
+            <a:picLocks noChangeAspect="1" noChangeArrowheads="1"/>
+          </p:cNvPicPr>
+          <p:nvPr/>
+        </p:nvPicPr>
+        <p:blipFill>
+          <a:blip r:embed="rId3">
+            <a:extLst>
+              <a:ext uri="{28A0092B-C50C-407E-A947-70E740481C1C}">
+                <a14:useLocalDpi xmlns:a14="http://schemas.microsoft.com/office/drawing/2010/main" val="0"/>
+              </a:ext>
+            </a:extLst>
+          </a:blip>
+          <a:srcRect/>
+          <a:stretch>
+            <a:fillRect/>
+          </a:stretch>
+        </p:blipFill>
+        <p:spPr bwMode="auto">
+          <a:xfrm>
+            <a:off x="0" y="1666025"/>
+            <a:ext cx="7231770" cy="4400551"/>
+          </a:xfrm>
+          <a:prstGeom prst="rect">
+            <a:avLst/>
+          </a:prstGeom>
+          <a:noFill/>
+          <a:extLst>
+            <a:ext uri="{909E8E84-426E-40DD-AFC4-6F175D3DCCD1}">
+              <a14:hiddenFill xmlns:a14="http://schemas.microsoft.com/office/drawing/2010/main">
+                <a:solidFill>
+                  <a:srgbClr val="FFFFFF"/>
+                </a:solidFill>
+              </a14:hiddenFill>
+            </a:ext>
+          </a:extLst>
+        </p:spPr>
+      </p:pic>
+      <p:sp>
+        <p:nvSpPr>
+          <p:cNvPr id="6" name="TextBox 5"/>
+          <p:cNvSpPr txBox="1"/>
+          <p:nvPr/>
+        </p:nvSpPr>
+        <p:spPr>
+          <a:xfrm>
+            <a:off x="7275638" y="4954296"/>
+            <a:ext cx="2476500" cy="369332"/>
+          </a:xfrm>
+          <a:prstGeom prst="rect">
+            <a:avLst/>
+          </a:prstGeom>
+          <a:noFill/>
+        </p:spPr>
+        <p:txBody>
+          <a:bodyPr wrap="square" rtlCol="0">
+            <a:spAutoFit/>
+          </a:bodyPr>
+          <a:lstStyle/>
+          <a:p>
+            <a:r>
+              <a:rPr lang="en-IN" b="1" dirty="0" smtClean="0"/>
+              <a:t>ESP32</a:t>
+            </a:r>
+            <a:endParaRPr lang="en-IN" b="1" dirty="0"/>
+          </a:p>
+        </p:txBody>
+      </p:sp>
+    </p:spTree>
+    <p:extLst>
+      <p:ext uri="{BB962C8B-B14F-4D97-AF65-F5344CB8AC3E}">
+        <p14:creationId xmlns:p14="http://schemas.microsoft.com/office/powerpoint/2010/main" val="3705404388"/>
+      </p:ext>
+    </p:extLst>
+  </p:cSld>
+  <p:clrMapOvr>
+    <a:masterClrMapping/>
+  </p:clrMapOvr>
+  <p:timing>
+    <p:tnLst>
+      <p:par>
+        <p:cTn id="1" dur="indefinite" restart="never" nodeType="tmRoot"/>
+      </p:par>
+    </p:tnLst>
+  </p:timing>
+</p:sld>
+</file>
+
+<file path=ppt/slides/slide12.xml><?xml version="1.0" encoding="utf-8"?>
+<p:sld xmlns:a="http://schemas.openxmlformats.org/drawingml/2006/main" xmlns:r="http://schemas.openxmlformats.org/officeDocument/2006/relationships" xmlns:p="http://schemas.openxmlformats.org/presentationml/2006/main">
+  <p:cSld>
+    <p:spTree>
+      <p:nvGrpSpPr>
+        <p:cNvPr id="1" name=""/>
+        <p:cNvGrpSpPr/>
+        <p:nvPr/>
+      </p:nvGrpSpPr>
+      <p:grpSpPr>
+        <a:xfrm>
+          <a:off x="0" y="0"/>
+          <a:ext cx="0" cy="0"/>
+          <a:chOff x="0" y="0"/>
+          <a:chExt cx="0" cy="0"/>
+        </a:xfrm>
+      </p:grpSpPr>
+      <p:sp>
+        <p:nvSpPr>
+          <p:cNvPr id="2" name="Title 1"/>
+          <p:cNvSpPr>
+            <a:spLocks noGrp="1"/>
+          </p:cNvSpPr>
+          <p:nvPr>
+            <p:ph type="title"/>
+          </p:nvPr>
+        </p:nvSpPr>
+        <p:spPr>
+          <a:xfrm>
+            <a:off x="350764" y="496388"/>
+            <a:ext cx="8596668" cy="726157"/>
+          </a:xfrm>
+        </p:spPr>
+        <p:txBody>
+          <a:bodyPr/>
+          <a:lstStyle/>
+          <a:p>
+            <a:r>
+              <a:rPr lang="en-IN" dirty="0" smtClean="0"/>
+              <a:t>ESP8266-12E  </a:t>
+            </a:r>
+            <a:r>
+              <a:rPr lang="en-IN" sz="1400" dirty="0" smtClean="0"/>
+              <a:t>[ Datasheet]</a:t>
+            </a:r>
+            <a:endParaRPr lang="en-IN" dirty="0"/>
+          </a:p>
+        </p:txBody>
+      </p:sp>
+      <p:pic>
+        <p:nvPicPr>
+          <p:cNvPr id="4" name="Picture 3"/>
+          <p:cNvPicPr>
+            <a:picLocks noChangeAspect="1"/>
+          </p:cNvPicPr>
+          <p:nvPr/>
+        </p:nvPicPr>
+        <p:blipFill>
+          <a:blip r:embed="rId2">
+            <a:extLst>
+              <a:ext uri="{28A0092B-C50C-407E-A947-70E740481C1C}">
+                <a14:useLocalDpi xmlns:a14="http://schemas.microsoft.com/office/drawing/2010/main" val="0"/>
+              </a:ext>
+            </a:extLst>
+          </a:blip>
+          <a:stretch>
+            <a:fillRect/>
+          </a:stretch>
+        </p:blipFill>
+        <p:spPr>
+          <a:xfrm>
+            <a:off x="940526" y="1730637"/>
+            <a:ext cx="6635931" cy="5127363"/>
+          </a:xfrm>
+          <a:prstGeom prst="rect">
+            <a:avLst/>
+          </a:prstGeom>
+        </p:spPr>
+      </p:pic>
+    </p:spTree>
+    <p:extLst>
+      <p:ext uri="{BB962C8B-B14F-4D97-AF65-F5344CB8AC3E}">
+        <p14:creationId xmlns:p14="http://schemas.microsoft.com/office/powerpoint/2010/main" val="3133941998"/>
+      </p:ext>
+    </p:extLst>
+  </p:cSld>
+  <p:clrMapOvr>
+    <a:masterClrMapping/>
+  </p:clrMapOvr>
+  <p:timing>
+    <p:tnLst>
+      <p:par>
+        <p:cTn id="1" dur="indefinite" restart="never" nodeType="tmRoot"/>
+      </p:par>
+    </p:tnLst>
+  </p:timing>
+</p:sld>
+</file>
+
+<file path=ppt/slides/slide13.xml><?xml version="1.0" encoding="utf-8"?>
+<p:sld xmlns:a="http://schemas.openxmlformats.org/drawingml/2006/main" xmlns:r="http://schemas.openxmlformats.org/officeDocument/2006/relationships" xmlns:p="http://schemas.openxmlformats.org/presentationml/2006/main">
+  <p:cSld>
+    <p:spTree>
+      <p:nvGrpSpPr>
+        <p:cNvPr id="1" name=""/>
+        <p:cNvGrpSpPr/>
+        <p:nvPr/>
+      </p:nvGrpSpPr>
+      <p:grpSpPr>
+        <a:xfrm>
+          <a:off x="0" y="0"/>
+          <a:ext cx="0" cy="0"/>
+          <a:chOff x="0" y="0"/>
+          <a:chExt cx="0" cy="0"/>
+        </a:xfrm>
+      </p:grpSpPr>
+      <p:sp>
+        <p:nvSpPr>
+          <p:cNvPr id="2" name="Title 1"/>
+          <p:cNvSpPr>
+            <a:spLocks noGrp="1"/>
+          </p:cNvSpPr>
+          <p:nvPr>
+            <p:ph type="title"/>
+          </p:nvPr>
+        </p:nvSpPr>
+        <p:spPr>
+          <a:xfrm>
+            <a:off x="363826" y="431074"/>
+            <a:ext cx="9119808" cy="726157"/>
+          </a:xfrm>
+        </p:spPr>
+        <p:txBody>
+          <a:bodyPr>
+            <a:normAutofit/>
+          </a:bodyPr>
+          <a:lstStyle/>
+          <a:p>
+            <a:r>
+              <a:rPr lang="en-IN" dirty="0" smtClean="0"/>
+              <a:t>ESP8266-12E  (Functional Description)</a:t>
+            </a:r>
+            <a:endParaRPr lang="en-IN" dirty="0"/>
+          </a:p>
+        </p:txBody>
+      </p:sp>
+      <p:pic>
+        <p:nvPicPr>
+          <p:cNvPr id="4" name="Picture 3"/>
+          <p:cNvPicPr>
+            <a:picLocks noChangeAspect="1"/>
+          </p:cNvPicPr>
+          <p:nvPr/>
+        </p:nvPicPr>
+        <p:blipFill>
+          <a:blip r:embed="rId2">
+            <a:extLst>
+              <a:ext uri="{28A0092B-C50C-407E-A947-70E740481C1C}">
+                <a14:useLocalDpi xmlns:a14="http://schemas.microsoft.com/office/drawing/2010/main" val="0"/>
+              </a:ext>
+            </a:extLst>
+          </a:blip>
+          <a:stretch>
+            <a:fillRect/>
+          </a:stretch>
+        </p:blipFill>
+        <p:spPr>
+          <a:xfrm>
+            <a:off x="363826" y="1933303"/>
+            <a:ext cx="8850712" cy="4317420"/>
+          </a:xfrm>
+          <a:prstGeom prst="rect">
+            <a:avLst/>
+          </a:prstGeom>
+        </p:spPr>
+      </p:pic>
+    </p:spTree>
+    <p:extLst>
+      <p:ext uri="{BB962C8B-B14F-4D97-AF65-F5344CB8AC3E}">
+        <p14:creationId xmlns:p14="http://schemas.microsoft.com/office/powerpoint/2010/main" val="1826345074"/>
+      </p:ext>
+    </p:extLst>
+  </p:cSld>
+  <p:clrMapOvr>
+    <a:masterClrMapping/>
+  </p:clrMapOvr>
+  <p:timing>
+    <p:tnLst>
+      <p:par>
+        <p:cTn id="1" dur="indefinite" restart="never" nodeType="tmRoot"/>
+      </p:par>
+    </p:tnLst>
+  </p:timing>
+</p:sld>
+</file>
+
+<file path=ppt/slides/slide14.xml><?xml version="1.0" encoding="utf-8"?>
+<p:sld xmlns:a="http://schemas.openxmlformats.org/drawingml/2006/main" xmlns:r="http://schemas.openxmlformats.org/officeDocument/2006/relationships" xmlns:p="http://schemas.openxmlformats.org/presentationml/2006/main">
+  <p:cSld>
+    <p:spTree>
+      <p:nvGrpSpPr>
+        <p:cNvPr id="1" name=""/>
+        <p:cNvGrpSpPr/>
+        <p:nvPr/>
+      </p:nvGrpSpPr>
+      <p:grpSpPr>
+        <a:xfrm>
+          <a:off x="0" y="0"/>
+          <a:ext cx="0" cy="0"/>
+          <a:chOff x="0" y="0"/>
+          <a:chExt cx="0" cy="0"/>
+        </a:xfrm>
+      </p:grpSpPr>
+      <p:sp>
+        <p:nvSpPr>
+          <p:cNvPr id="2" name="Title 1"/>
+          <p:cNvSpPr>
+            <a:spLocks noGrp="1"/>
+          </p:cNvSpPr>
+          <p:nvPr>
+            <p:ph type="title"/>
+          </p:nvPr>
+        </p:nvSpPr>
+        <p:spPr>
+          <a:xfrm>
+            <a:off x="141131" y="561702"/>
+            <a:ext cx="9132871" cy="1371601"/>
+          </a:xfrm>
+        </p:spPr>
+        <p:txBody>
+          <a:bodyPr>
+            <a:normAutofit/>
+          </a:bodyPr>
+          <a:lstStyle/>
+          <a:p>
+            <a:r>
+              <a:rPr lang="en-US" dirty="0"/>
+              <a:t>Insight Into </a:t>
+            </a:r>
+            <a:r>
+              <a:rPr lang="en-US" dirty="0" smtClean="0"/>
+              <a:t>ESP8266-12E </a:t>
+            </a:r>
+            <a:r>
+              <a:rPr lang="en-US" dirty="0"/>
+              <a:t>NodeMCU Features &amp; Using It With Arduino </a:t>
+            </a:r>
+            <a:r>
+              <a:rPr lang="en-US" dirty="0" smtClean="0"/>
+              <a:t>IDE</a:t>
+            </a:r>
+            <a:endParaRPr lang="en-IN" dirty="0"/>
+          </a:p>
+        </p:txBody>
+      </p:sp>
+      <p:pic>
+        <p:nvPicPr>
+          <p:cNvPr id="1026" name="Picture 2" descr="Tutorial of Programming ESP32 in Arduino IDE"/>
+          <p:cNvPicPr>
+            <a:picLocks noChangeAspect="1" noChangeArrowheads="1"/>
+          </p:cNvPicPr>
+          <p:nvPr/>
+        </p:nvPicPr>
+        <p:blipFill>
+          <a:blip r:embed="rId2">
+            <a:extLst>
+              <a:ext uri="{28A0092B-C50C-407E-A947-70E740481C1C}">
+                <a14:useLocalDpi xmlns:a14="http://schemas.microsoft.com/office/drawing/2010/main" val="0"/>
+              </a:ext>
+            </a:extLst>
+          </a:blip>
+          <a:srcRect/>
+          <a:stretch>
+            <a:fillRect/>
+          </a:stretch>
+        </p:blipFill>
+        <p:spPr bwMode="auto">
+          <a:xfrm>
+            <a:off x="469085" y="2517548"/>
+            <a:ext cx="7616824" cy="4152901"/>
+          </a:xfrm>
+          <a:prstGeom prst="rect">
+            <a:avLst/>
+          </a:prstGeom>
+          <a:noFill/>
+          <a:extLst>
+            <a:ext uri="{909E8E84-426E-40DD-AFC4-6F175D3DCCD1}">
+              <a14:hiddenFill xmlns:a14="http://schemas.microsoft.com/office/drawing/2010/main">
+                <a:solidFill>
+                  <a:srgbClr val="FFFFFF"/>
+                </a:solidFill>
+              </a14:hiddenFill>
+            </a:ext>
+          </a:extLst>
+        </p:spPr>
+      </p:pic>
+      <p:sp>
+        <p:nvSpPr>
+          <p:cNvPr id="4" name="TextBox 3"/>
+          <p:cNvSpPr txBox="1"/>
+          <p:nvPr/>
+        </p:nvSpPr>
+        <p:spPr>
+          <a:xfrm>
+            <a:off x="3317964" y="2978330"/>
+            <a:ext cx="2129247" cy="400110"/>
+          </a:xfrm>
+          <a:prstGeom prst="rect">
+            <a:avLst/>
+          </a:prstGeom>
+        </p:spPr>
+        <p:style>
+          <a:lnRef idx="2">
+            <a:schemeClr val="accent2"/>
+          </a:lnRef>
+          <a:fillRef idx="1">
+            <a:schemeClr val="lt1"/>
+          </a:fillRef>
+          <a:effectRef idx="0">
+            <a:schemeClr val="accent2"/>
+          </a:effectRef>
+          <a:fontRef idx="minor">
+            <a:schemeClr val="dk1"/>
+          </a:fontRef>
+        </p:style>
+        <p:txBody>
+          <a:bodyPr wrap="square" rtlCol="0">
+            <a:spAutoFit/>
+          </a:bodyPr>
+          <a:lstStyle/>
+          <a:p>
+            <a:pPr algn="ctr"/>
+            <a:r>
+              <a:rPr lang="en-IN" sz="2000" dirty="0" smtClean="0"/>
+              <a:t>HatchnHack</a:t>
+            </a:r>
+            <a:endParaRPr lang="en-IN" sz="2000" dirty="0"/>
+          </a:p>
+        </p:txBody>
+      </p:sp>
+    </p:spTree>
+    <p:extLst>
+      <p:ext uri="{BB962C8B-B14F-4D97-AF65-F5344CB8AC3E}">
+        <p14:creationId xmlns:p14="http://schemas.microsoft.com/office/powerpoint/2010/main" val="1155035396"/>
+      </p:ext>
+    </p:extLst>
+  </p:cSld>
+  <p:clrMapOvr>
+    <a:masterClrMapping/>
+  </p:clrMapOvr>
+  <p:timing>
+    <p:tnLst>
+      <p:par>
+        <p:cTn id="1" dur="indefinite" restart="never" nodeType="tmRoot"/>
+      </p:par>
+    </p:tnLst>
+  </p:timing>
+</p:sld>
+</file>
+
+<file path=ppt/slides/slide15.xml><?xml version="1.0" encoding="utf-8"?>
+<p:sld xmlns:a="http://schemas.openxmlformats.org/drawingml/2006/main" xmlns:r="http://schemas.openxmlformats.org/officeDocument/2006/relationships" xmlns:p="http://schemas.openxmlformats.org/presentationml/2006/main">
+  <p:cSld>
+    <p:spTree>
+      <p:nvGrpSpPr>
+        <p:cNvPr id="1" name=""/>
+        <p:cNvGrpSpPr/>
+        <p:nvPr/>
+      </p:nvGrpSpPr>
+      <p:grpSpPr>
+        <a:xfrm>
+          <a:off x="0" y="0"/>
+          <a:ext cx="0" cy="0"/>
+          <a:chOff x="0" y="0"/>
+          <a:chExt cx="0" cy="0"/>
+        </a:xfrm>
+      </p:grpSpPr>
+      <p:sp>
+        <p:nvSpPr>
+          <p:cNvPr id="2" name="Title 1"/>
+          <p:cNvSpPr>
+            <a:spLocks noGrp="1"/>
+          </p:cNvSpPr>
+          <p:nvPr>
+            <p:ph type="title"/>
+          </p:nvPr>
+        </p:nvSpPr>
+        <p:spPr>
+          <a:xfrm>
+            <a:off x="337700" y="365759"/>
+            <a:ext cx="8596668" cy="895974"/>
+          </a:xfrm>
+        </p:spPr>
+        <p:txBody>
+          <a:bodyPr>
+            <a:normAutofit/>
+          </a:bodyPr>
+          <a:lstStyle/>
+          <a:p>
+            <a:r>
+              <a:rPr lang="en-IN" dirty="0" smtClean="0"/>
+              <a:t>NodeMCU </a:t>
+            </a:r>
+            <a:r>
+              <a:rPr lang="en-IN" dirty="0" smtClean="0"/>
+              <a:t>Module</a:t>
+            </a:r>
+            <a:endParaRPr lang="en-IN" dirty="0"/>
+          </a:p>
+        </p:txBody>
+      </p:sp>
+      <p:sp>
+        <p:nvSpPr>
+          <p:cNvPr id="4" name="AutoShape 4" descr="Related image"/>
+          <p:cNvSpPr>
+            <a:spLocks noChangeAspect="1" noChangeArrowheads="1"/>
+          </p:cNvSpPr>
+          <p:nvPr/>
+        </p:nvSpPr>
+        <p:spPr bwMode="auto">
+          <a:xfrm>
+            <a:off x="155575" y="-144463"/>
+            <a:ext cx="5134882" cy="5134899"/>
+          </a:xfrm>
+          <a:prstGeom prst="rect">
+            <a:avLst/>
+          </a:prstGeom>
+          <a:noFill/>
+          <a:extLst>
+            <a:ext uri="{909E8E84-426E-40DD-AFC4-6F175D3DCCD1}">
+              <a14:hiddenFill xmlns:a14="http://schemas.microsoft.com/office/drawing/2010/main">
+                <a:solidFill>
+                  <a:srgbClr val="FFFFFF"/>
+                </a:solidFill>
+              </a14:hiddenFill>
+            </a:ext>
+          </a:extLst>
+        </p:spPr>
+        <p:txBody>
+          <a:bodyPr vert="horz" wrap="square" lIns="91440" tIns="45720" rIns="91440" bIns="45720" numCol="1" anchor="t" anchorCtr="0" compatLnSpc="1">
+            <a:prstTxWarp prst="textNoShape">
+              <a:avLst/>
+            </a:prstTxWarp>
+          </a:bodyPr>
+          <a:lstStyle/>
+          <a:p>
+            <a:endParaRPr lang="en-IN"/>
+          </a:p>
+        </p:txBody>
+      </p:sp>
+      <p:sp>
+        <p:nvSpPr>
+          <p:cNvPr id="5" name="AutoShape 6" descr="Related image"/>
+          <p:cNvSpPr>
+            <a:spLocks noChangeAspect="1" noChangeArrowheads="1"/>
+          </p:cNvSpPr>
+          <p:nvPr/>
+        </p:nvSpPr>
+        <p:spPr bwMode="auto">
+          <a:xfrm>
+            <a:off x="155575" y="-144463"/>
+            <a:ext cx="5748836" cy="5748855"/>
+          </a:xfrm>
+          <a:prstGeom prst="rect">
+            <a:avLst/>
+          </a:prstGeom>
+          <a:noFill/>
+          <a:extLst>
+            <a:ext uri="{909E8E84-426E-40DD-AFC4-6F175D3DCCD1}">
+              <a14:hiddenFill xmlns:a14="http://schemas.microsoft.com/office/drawing/2010/main">
+                <a:solidFill>
+                  <a:srgbClr val="FFFFFF"/>
+                </a:solidFill>
+              </a14:hiddenFill>
+            </a:ext>
+          </a:extLst>
+        </p:spPr>
+        <p:txBody>
+          <a:bodyPr vert="horz" wrap="square" lIns="91440" tIns="45720" rIns="91440" bIns="45720" numCol="1" anchor="t" anchorCtr="0" compatLnSpc="1">
+            <a:prstTxWarp prst="textNoShape">
+              <a:avLst/>
+            </a:prstTxWarp>
+          </a:bodyPr>
+          <a:lstStyle/>
+          <a:p>
+            <a:endParaRPr lang="en-IN"/>
+          </a:p>
+        </p:txBody>
+      </p:sp>
+      <p:sp>
+        <p:nvSpPr>
+          <p:cNvPr id="6" name="AutoShape 8" descr="https://i.stack.imgur.com/yT4hb.png"/>
+          <p:cNvSpPr>
+            <a:spLocks noChangeAspect="1" noChangeArrowheads="1"/>
+          </p:cNvSpPr>
+          <p:nvPr/>
+        </p:nvSpPr>
+        <p:spPr bwMode="auto">
+          <a:xfrm>
+            <a:off x="155575" y="-144463"/>
+            <a:ext cx="8335282" cy="8335309"/>
+          </a:xfrm>
+          <a:prstGeom prst="rect">
+            <a:avLst/>
+          </a:prstGeom>
+          <a:noFill/>
+          <a:extLst>
+            <a:ext uri="{909E8E84-426E-40DD-AFC4-6F175D3DCCD1}">
+              <a14:hiddenFill xmlns:a14="http://schemas.microsoft.com/office/drawing/2010/main">
+                <a:solidFill>
+                  <a:srgbClr val="FFFFFF"/>
+                </a:solidFill>
+              </a14:hiddenFill>
+            </a:ext>
+          </a:extLst>
+        </p:spPr>
+        <p:txBody>
+          <a:bodyPr vert="horz" wrap="square" lIns="91440" tIns="45720" rIns="91440" bIns="45720" numCol="1" anchor="t" anchorCtr="0" compatLnSpc="1">
+            <a:prstTxWarp prst="textNoShape">
+              <a:avLst/>
+            </a:prstTxWarp>
+          </a:bodyPr>
+          <a:lstStyle/>
+          <a:p>
+            <a:endParaRPr lang="en-IN"/>
+          </a:p>
+        </p:txBody>
+      </p:sp>
+      <p:pic>
+        <p:nvPicPr>
+          <p:cNvPr id="2058" name="Picture 10" descr="Related image"/>
+          <p:cNvPicPr>
+            <a:picLocks noChangeAspect="1" noChangeArrowheads="1"/>
+          </p:cNvPicPr>
+          <p:nvPr/>
+        </p:nvPicPr>
+        <p:blipFill>
+          <a:blip r:embed="rId2" cstate="print">
+            <a:extLst>
+              <a:ext uri="{28A0092B-C50C-407E-A947-70E740481C1C}">
+                <a14:useLocalDpi xmlns:a14="http://schemas.microsoft.com/office/drawing/2010/main" val="0"/>
+              </a:ext>
+            </a:extLst>
+          </a:blip>
+          <a:srcRect/>
+          <a:stretch>
+            <a:fillRect/>
+          </a:stretch>
+        </p:blipFill>
+        <p:spPr bwMode="auto">
+          <a:xfrm>
+            <a:off x="155575" y="1876562"/>
+            <a:ext cx="9953045" cy="4407101"/>
+          </a:xfrm>
+          <a:prstGeom prst="rect">
+            <a:avLst/>
+          </a:prstGeom>
+          <a:noFill/>
+          <a:extLst>
+            <a:ext uri="{909E8E84-426E-40DD-AFC4-6F175D3DCCD1}">
+              <a14:hiddenFill xmlns:a14="http://schemas.microsoft.com/office/drawing/2010/main">
+                <a:solidFill>
+                  <a:srgbClr val="FFFFFF"/>
+                </a:solidFill>
+              </a14:hiddenFill>
+            </a:ext>
+          </a:extLst>
+        </p:spPr>
+      </p:pic>
+    </p:spTree>
+    <p:extLst>
+      <p:ext uri="{BB962C8B-B14F-4D97-AF65-F5344CB8AC3E}">
+        <p14:creationId xmlns:p14="http://schemas.microsoft.com/office/powerpoint/2010/main" val="2195818657"/>
+      </p:ext>
+    </p:extLst>
+  </p:cSld>
+  <p:clrMapOvr>
+    <a:masterClrMapping/>
+  </p:clrMapOvr>
+  <p:timing>
+    <p:tnLst>
+      <p:par>
+        <p:cTn id="1" dur="indefinite" restart="never" nodeType="tmRoot"/>
+      </p:par>
+    </p:tnLst>
+  </p:timing>
+</p:sld>
+</file>
+
+<file path=ppt/slides/slide16.xml><?xml version="1.0" encoding="utf-8"?>
+<p:sld xmlns:a="http://schemas.openxmlformats.org/drawingml/2006/main" xmlns:r="http://schemas.openxmlformats.org/officeDocument/2006/relationships" xmlns:p="http://schemas.openxmlformats.org/presentationml/2006/main">
+  <p:cSld>
+    <p:spTree>
+      <p:nvGrpSpPr>
+        <p:cNvPr id="1" name=""/>
+        <p:cNvGrpSpPr/>
+        <p:nvPr/>
+      </p:nvGrpSpPr>
+      <p:grpSpPr>
+        <a:xfrm>
+          <a:off x="0" y="0"/>
+          <a:ext cx="0" cy="0"/>
+          <a:chOff x="0" y="0"/>
+          <a:chExt cx="0" cy="0"/>
+        </a:xfrm>
+      </p:grpSpPr>
+      <p:sp>
+        <p:nvSpPr>
+          <p:cNvPr id="2" name="Title 1"/>
+          <p:cNvSpPr>
+            <a:spLocks noGrp="1"/>
+          </p:cNvSpPr>
+          <p:nvPr>
+            <p:ph type="title"/>
+          </p:nvPr>
+        </p:nvSpPr>
+        <p:spPr>
+          <a:xfrm>
+            <a:off x="334435" y="533400"/>
+            <a:ext cx="8596668" cy="679348"/>
+          </a:xfrm>
+        </p:spPr>
+        <p:txBody>
+          <a:bodyPr>
+            <a:normAutofit fontScale="90000"/>
+          </a:bodyPr>
+          <a:lstStyle/>
+          <a:p>
+            <a:r>
+              <a:rPr lang="en-IN" dirty="0" smtClean="0"/>
+              <a:t>NodeMCU</a:t>
+            </a:r>
+            <a:r>
+              <a:rPr lang="en-IN" dirty="0" smtClean="0"/>
+              <a:t> </a:t>
+            </a:r>
+            <a:r>
+              <a:rPr lang="en-IN" dirty="0" smtClean="0"/>
+              <a:t>Pinout</a:t>
+            </a:r>
+            <a:endParaRPr lang="en-IN" dirty="0"/>
+          </a:p>
+        </p:txBody>
+      </p:sp>
+      <p:pic>
+        <p:nvPicPr>
+          <p:cNvPr id="4" name="Picture 3"/>
+          <p:cNvPicPr>
+            <a:picLocks noChangeAspect="1"/>
+          </p:cNvPicPr>
+          <p:nvPr/>
+        </p:nvPicPr>
+        <p:blipFill>
+          <a:blip r:embed="rId2">
+            <a:extLst>
+              <a:ext uri="{28A0092B-C50C-407E-A947-70E740481C1C}">
+                <a14:useLocalDpi xmlns:a14="http://schemas.microsoft.com/office/drawing/2010/main" val="0"/>
+              </a:ext>
+            </a:extLst>
+          </a:blip>
+          <a:stretch>
+            <a:fillRect/>
+          </a:stretch>
+        </p:blipFill>
+        <p:spPr>
+          <a:xfrm>
+            <a:off x="836648" y="1819039"/>
+            <a:ext cx="7867977" cy="4543661"/>
+          </a:xfrm>
+          <a:prstGeom prst="rect">
+            <a:avLst/>
+          </a:prstGeom>
+        </p:spPr>
+      </p:pic>
+    </p:spTree>
+    <p:extLst>
+      <p:ext uri="{BB962C8B-B14F-4D97-AF65-F5344CB8AC3E}">
+        <p14:creationId xmlns:p14="http://schemas.microsoft.com/office/powerpoint/2010/main" val="1666685799"/>
+      </p:ext>
+    </p:extLst>
+  </p:cSld>
+  <p:clrMapOvr>
+    <a:masterClrMapping/>
+  </p:clrMapOvr>
+  <p:timing>
+    <p:tnLst>
+      <p:par>
+        <p:cTn id="1" dur="indefinite" restart="never" nodeType="tmRoot"/>
+      </p:par>
+    </p:tnLst>
+  </p:timing>
+</p:sld>
+</file>
+
+<file path=ppt/slides/slide17.xml><?xml version="1.0" encoding="utf-8"?>
+<p:sld xmlns:a="http://schemas.openxmlformats.org/drawingml/2006/main" xmlns:r="http://schemas.openxmlformats.org/officeDocument/2006/relationships" xmlns:p="http://schemas.openxmlformats.org/presentationml/2006/main">
+  <p:cSld>
+    <p:spTree>
+      <p:nvGrpSpPr>
+        <p:cNvPr id="1" name=""/>
+        <p:cNvGrpSpPr/>
+        <p:nvPr/>
+      </p:nvGrpSpPr>
+      <p:grpSpPr>
+        <a:xfrm>
+          <a:off x="0" y="0"/>
+          <a:ext cx="0" cy="0"/>
+          <a:chOff x="0" y="0"/>
+          <a:chExt cx="0" cy="0"/>
+        </a:xfrm>
+      </p:grpSpPr>
+      <p:sp>
+        <p:nvSpPr>
+          <p:cNvPr id="2" name="Title 1"/>
+          <p:cNvSpPr>
+            <a:spLocks noGrp="1"/>
+          </p:cNvSpPr>
+          <p:nvPr>
+            <p:ph type="title"/>
+          </p:nvPr>
+        </p:nvSpPr>
+        <p:spPr>
+          <a:xfrm>
+            <a:off x="311575" y="431075"/>
+            <a:ext cx="8596668" cy="843722"/>
+          </a:xfrm>
+        </p:spPr>
+        <p:txBody>
+          <a:bodyPr/>
+          <a:lstStyle/>
+          <a:p>
+            <a:r>
+              <a:rPr lang="en-IN" dirty="0" smtClean="0"/>
+              <a:t>Interfacing With NodeMCU</a:t>
+            </a:r>
+            <a:endParaRPr lang="en-IN" dirty="0"/>
+          </a:p>
+        </p:txBody>
+      </p:sp>
+      <p:sp>
+        <p:nvSpPr>
+          <p:cNvPr id="3" name="Text Placeholder 2"/>
+          <p:cNvSpPr>
+            <a:spLocks noGrp="1"/>
+          </p:cNvSpPr>
+          <p:nvPr>
+            <p:ph type="body" idx="1"/>
+          </p:nvPr>
+        </p:nvSpPr>
+        <p:spPr>
+          <a:xfrm>
+            <a:off x="0" y="1581774"/>
+            <a:ext cx="8596668" cy="573597"/>
+          </a:xfrm>
+        </p:spPr>
+        <p:txBody>
+          <a:bodyPr/>
+          <a:lstStyle/>
+          <a:p>
+            <a:pPr marL="342900" indent="-342900">
+              <a:buFontTx/>
+              <a:buChar char="-"/>
+            </a:pPr>
+            <a:r>
+              <a:rPr lang="en-IN" dirty="0" smtClean="0"/>
+              <a:t>- Hello World (Blink)</a:t>
+            </a:r>
+          </a:p>
+        </p:txBody>
+      </p:sp>
+      <p:pic>
+        <p:nvPicPr>
+          <p:cNvPr id="5" name="Picture 4"/>
+          <p:cNvPicPr>
+            <a:picLocks noChangeAspect="1"/>
+          </p:cNvPicPr>
+          <p:nvPr/>
+        </p:nvPicPr>
+        <p:blipFill>
+          <a:blip r:embed="rId2">
+            <a:extLst>
+              <a:ext uri="{28A0092B-C50C-407E-A947-70E740481C1C}">
+                <a14:useLocalDpi xmlns:a14="http://schemas.microsoft.com/office/drawing/2010/main" val="0"/>
+              </a:ext>
+            </a:extLst>
+          </a:blip>
+          <a:stretch>
+            <a:fillRect/>
+          </a:stretch>
+        </p:blipFill>
+        <p:spPr>
+          <a:xfrm>
+            <a:off x="587828" y="2696899"/>
+            <a:ext cx="6949441" cy="3909060"/>
+          </a:xfrm>
+          <a:prstGeom prst="rect">
+            <a:avLst/>
+          </a:prstGeom>
+        </p:spPr>
+      </p:pic>
+    </p:spTree>
+    <p:extLst>
+      <p:ext uri="{BB962C8B-B14F-4D97-AF65-F5344CB8AC3E}">
+        <p14:creationId xmlns:p14="http://schemas.microsoft.com/office/powerpoint/2010/main" val="214395551"/>
+      </p:ext>
+    </p:extLst>
+  </p:cSld>
+  <p:clrMapOvr>
+    <a:masterClrMapping/>
+  </p:clrMapOvr>
+  <p:timing>
+    <p:tnLst>
+      <p:par>
+        <p:cTn id="1" dur="indefinite" restart="never" nodeType="tmRoot"/>
+      </p:par>
+    </p:tnLst>
+  </p:timing>
+</p:sld>
+</file>
+
+<file path=ppt/slides/slide18.xml><?xml version="1.0" encoding="utf-8"?>
+<p:sld xmlns:a="http://schemas.openxmlformats.org/drawingml/2006/main" xmlns:r="http://schemas.openxmlformats.org/officeDocument/2006/relationships" xmlns:p="http://schemas.openxmlformats.org/presentationml/2006/main">
+  <p:cSld>
+    <p:spTree>
+      <p:nvGrpSpPr>
+        <p:cNvPr id="1" name=""/>
+        <p:cNvGrpSpPr/>
+        <p:nvPr/>
+      </p:nvGrpSpPr>
+      <p:grpSpPr>
+        <a:xfrm>
+          <a:off x="0" y="0"/>
+          <a:ext cx="0" cy="0"/>
+          <a:chOff x="0" y="0"/>
+          <a:chExt cx="0" cy="0"/>
+        </a:xfrm>
+      </p:grpSpPr>
+      <p:sp>
+        <p:nvSpPr>
+          <p:cNvPr id="2" name="Title 1"/>
+          <p:cNvSpPr>
+            <a:spLocks noGrp="1"/>
+          </p:cNvSpPr>
+          <p:nvPr>
+            <p:ph type="title"/>
+          </p:nvPr>
+        </p:nvSpPr>
+        <p:spPr>
+          <a:xfrm>
+            <a:off x="363826" y="587828"/>
+            <a:ext cx="8596668" cy="817597"/>
+          </a:xfrm>
+        </p:spPr>
+        <p:txBody>
+          <a:bodyPr/>
+          <a:lstStyle/>
+          <a:p>
+            <a:r>
+              <a:rPr lang="en-IN" dirty="0" smtClean="0"/>
+              <a:t>Web Server LED Control</a:t>
+            </a:r>
+            <a:endParaRPr lang="en-IN" dirty="0"/>
+          </a:p>
+        </p:txBody>
+      </p:sp>
+      <p:pic>
+        <p:nvPicPr>
+          <p:cNvPr id="4" name="Picture 3"/>
+          <p:cNvPicPr>
+            <a:picLocks noChangeAspect="1"/>
+          </p:cNvPicPr>
+          <p:nvPr/>
+        </p:nvPicPr>
+        <p:blipFill>
+          <a:blip r:embed="rId2">
+            <a:extLst>
+              <a:ext uri="{28A0092B-C50C-407E-A947-70E740481C1C}">
+                <a14:useLocalDpi xmlns:a14="http://schemas.microsoft.com/office/drawing/2010/main" val="0"/>
+              </a:ext>
+            </a:extLst>
+          </a:blip>
+          <a:stretch>
+            <a:fillRect/>
+          </a:stretch>
+        </p:blipFill>
+        <p:spPr>
+          <a:xfrm>
+            <a:off x="853441" y="1907177"/>
+            <a:ext cx="8011886" cy="4506686"/>
+          </a:xfrm>
+          <a:prstGeom prst="rect">
+            <a:avLst/>
+          </a:prstGeom>
+        </p:spPr>
+      </p:pic>
+    </p:spTree>
+    <p:extLst>
+      <p:ext uri="{BB962C8B-B14F-4D97-AF65-F5344CB8AC3E}">
+        <p14:creationId xmlns:p14="http://schemas.microsoft.com/office/powerpoint/2010/main" val="1932695709"/>
+      </p:ext>
+    </p:extLst>
+  </p:cSld>
+  <p:clrMapOvr>
+    <a:masterClrMapping/>
+  </p:clrMapOvr>
+  <p:timing>
+    <p:tnLst>
+      <p:par>
+        <p:cTn id="1" dur="indefinite" restart="never" nodeType="tmRoot"/>
+      </p:par>
+    </p:tnLst>
+  </p:timing>
+</p:sld>
+</file>
+
+<file path=ppt/slides/slide19.xml><?xml version="1.0" encoding="utf-8"?>
+<p:sld xmlns:a="http://schemas.openxmlformats.org/drawingml/2006/main" xmlns:r="http://schemas.openxmlformats.org/officeDocument/2006/relationships" xmlns:p="http://schemas.openxmlformats.org/presentationml/2006/main">
+  <p:cSld>
+    <p:spTree>
+      <p:nvGrpSpPr>
+        <p:cNvPr id="1" name=""/>
+        <p:cNvGrpSpPr/>
+        <p:nvPr/>
+      </p:nvGrpSpPr>
+      <p:grpSpPr>
+        <a:xfrm>
+          <a:off x="0" y="0"/>
+          <a:ext cx="0" cy="0"/>
+          <a:chOff x="0" y="0"/>
+          <a:chExt cx="0" cy="0"/>
+        </a:xfrm>
+      </p:grpSpPr>
+      <p:sp>
+        <p:nvSpPr>
+          <p:cNvPr id="2" name="Title 1"/>
+          <p:cNvSpPr>
+            <a:spLocks noGrp="1"/>
+          </p:cNvSpPr>
+          <p:nvPr>
+            <p:ph type="title"/>
+          </p:nvPr>
+        </p:nvSpPr>
+        <p:spPr>
+          <a:xfrm>
+            <a:off x="422295" y="352696"/>
+            <a:ext cx="9263499" cy="1854926"/>
+          </a:xfrm>
+        </p:spPr>
+        <p:txBody>
+          <a:bodyPr>
+            <a:normAutofit/>
+          </a:bodyPr>
+          <a:lstStyle/>
+          <a:p>
+            <a:r>
+              <a:rPr lang="en-IN" dirty="0" smtClean="0"/>
+              <a:t>Integrating NodeMCU with ThingSpeak.com</a:t>
+            </a:r>
+            <a:endParaRPr lang="en-IN" dirty="0"/>
+          </a:p>
+        </p:txBody>
+      </p:sp>
+      <p:pic>
+        <p:nvPicPr>
+          <p:cNvPr id="5" name="Picture 4"/>
+          <p:cNvPicPr>
+            <a:picLocks noChangeAspect="1"/>
+          </p:cNvPicPr>
+          <p:nvPr/>
+        </p:nvPicPr>
+        <p:blipFill>
+          <a:blip r:embed="rId2"/>
+          <a:stretch>
+            <a:fillRect/>
+          </a:stretch>
+        </p:blipFill>
+        <p:spPr>
+          <a:xfrm>
+            <a:off x="658938" y="2873829"/>
+            <a:ext cx="8094575" cy="3410085"/>
+          </a:xfrm>
+          <a:prstGeom prst="rect">
+            <a:avLst/>
+          </a:prstGeom>
+        </p:spPr>
+      </p:pic>
+    </p:spTree>
+    <p:extLst>
+      <p:ext uri="{BB962C8B-B14F-4D97-AF65-F5344CB8AC3E}">
+        <p14:creationId xmlns:p14="http://schemas.microsoft.com/office/powerpoint/2010/main" val="2399129286"/>
+      </p:ext>
+    </p:extLst>
+  </p:cSld>
+  <p:clrMapOvr>
+    <a:masterClrMapping/>
+  </p:clrMapOvr>
+  <p:timing>
+    <p:tnLst>
+      <p:par>
+        <p:cTn id="1" dur="indefinite" restart="never" nodeType="tmRoot"/>
+      </p:par>
+    </p:tnLst>
+  </p:timing>
 </p:sld>
 </file>
 
@@ -5948,8 +7328,8 @@
         </p:nvSpPr>
         <p:spPr>
           <a:xfrm>
-            <a:off x="311575" y="457200"/>
-            <a:ext cx="8596668" cy="621654"/>
+            <a:off x="677334" y="609600"/>
+            <a:ext cx="8596668" cy="605246"/>
           </a:xfrm>
         </p:spPr>
         <p:txBody>
@@ -5959,64 +7339,375 @@
           <a:lstStyle/>
           <a:p>
             <a:r>
-              <a:rPr lang="en-IN" dirty="0" smtClean="0"/>
-              <a:t>ESP8266 – 12E (</a:t>
-            </a:r>
-            <a:r>
-              <a:rPr lang="en-IN" dirty="0"/>
-              <a:t>Wi-Fi microchip</a:t>
-            </a:r>
-            <a:r>
-              <a:rPr lang="en-IN" dirty="0" smtClean="0"/>
-              <a:t>) </a:t>
-            </a:r>
-            <a:endParaRPr lang="en-IN" dirty="0"/>
-          </a:p>
-        </p:txBody>
-      </p:sp>
-      <p:sp>
-        <p:nvSpPr>
-          <p:cNvPr id="3" name="Text Placeholder 2"/>
-          <p:cNvSpPr>
-            <a:spLocks noGrp="1"/>
-          </p:cNvSpPr>
-          <p:nvPr>
-            <p:ph type="body" idx="1"/>
-          </p:nvPr>
-        </p:nvSpPr>
+              <a:rPr lang="en-IN" b="1" dirty="0" smtClean="0"/>
+              <a:t>IOT Lifecycle</a:t>
+            </a:r>
+            <a:endParaRPr lang="en-IN" b="1" dirty="0"/>
+          </a:p>
+        </p:txBody>
+      </p:sp>
+      <p:pic>
+        <p:nvPicPr>
+          <p:cNvPr id="4" name="Content Placeholder 3"/>
+          <p:cNvPicPr>
+            <a:picLocks noGrp="1" noChangeAspect="1"/>
+          </p:cNvPicPr>
+          <p:nvPr>
+            <p:ph idx="1"/>
+          </p:nvPr>
+        </p:nvPicPr>
+        <p:blipFill>
+          <a:blip r:embed="rId2">
+            <a:extLst>
+              <a:ext uri="{28A0092B-C50C-407E-A947-70E740481C1C}">
+                <a14:useLocalDpi xmlns:a14="http://schemas.microsoft.com/office/drawing/2010/main" val="0"/>
+              </a:ext>
+            </a:extLst>
+          </a:blip>
+          <a:stretch>
+            <a:fillRect/>
+          </a:stretch>
+        </p:blipFill>
         <p:spPr>
           <a:xfrm>
-            <a:off x="311575" y="2399736"/>
-            <a:ext cx="8596668" cy="2781864"/>
-          </a:xfrm>
-        </p:spPr>
-        <p:txBody>
-          <a:bodyPr/>
-          <a:lstStyle/>
-          <a:p>
-            <a:r>
-              <a:rPr lang="en-IN" dirty="0" smtClean="0"/>
-              <a:t>- Why ESP8266, why not my PC, My smartphone ?</a:t>
-            </a:r>
-          </a:p>
-          <a:p>
-            <a:r>
-              <a:rPr lang="en-IN" dirty="0" smtClean="0"/>
-              <a:t>- Other variants / alternatives ?</a:t>
-            </a:r>
-          </a:p>
-          <a:p>
-            <a:endParaRPr lang="en-IN" dirty="0" smtClean="0"/>
-          </a:p>
-          <a:p>
-            <a:endParaRPr lang="en-IN" dirty="0" smtClean="0"/>
-          </a:p>
-        </p:txBody>
-      </p:sp>
+            <a:off x="1815737" y="1531377"/>
+            <a:ext cx="5055327" cy="5013113"/>
+          </a:xfrm>
+        </p:spPr>
+      </p:pic>
     </p:spTree>
     <p:extLst>
       <p:ext uri="{BB962C8B-B14F-4D97-AF65-F5344CB8AC3E}">
-        <p14:creationId xmlns:p14="http://schemas.microsoft.com/office/powerpoint/2010/main" val="1094064368"/>
+        <p14:creationId xmlns:p14="http://schemas.microsoft.com/office/powerpoint/2010/main" val="2705870493"/>
+      </p:ext>
+    </p:extLst>
+  </p:cSld>
+  <p:clrMapOvr>
+    <a:masterClrMapping/>
+  </p:clrMapOvr>
+  <p:timing>
+    <p:tnLst>
+      <p:par>
+        <p:cTn id="1" dur="indefinite" restart="never" nodeType="tmRoot"/>
+      </p:par>
+    </p:tnLst>
+  </p:timing>
+</p:sld>
+</file>
+
+<file path=ppt/slides/slide20.xml><?xml version="1.0" encoding="utf-8"?>
+<p:sld xmlns:a="http://schemas.openxmlformats.org/drawingml/2006/main" xmlns:r="http://schemas.openxmlformats.org/officeDocument/2006/relationships" xmlns:p="http://schemas.openxmlformats.org/presentationml/2006/main">
+  <p:cSld>
+    <p:spTree>
+      <p:nvGrpSpPr>
+        <p:cNvPr id="1" name=""/>
+        <p:cNvGrpSpPr/>
+        <p:nvPr/>
+      </p:nvGrpSpPr>
+      <p:grpSpPr>
+        <a:xfrm>
+          <a:off x="0" y="0"/>
+          <a:ext cx="0" cy="0"/>
+          <a:chOff x="0" y="0"/>
+          <a:chExt cx="0" cy="0"/>
+        </a:xfrm>
+      </p:grpSpPr>
+      <p:sp>
+        <p:nvSpPr>
+          <p:cNvPr id="6" name="AutoShape 4" descr="Image result for IFTTT"/>
+          <p:cNvSpPr>
+            <a:spLocks noChangeAspect="1" noChangeArrowheads="1"/>
+          </p:cNvSpPr>
+          <p:nvPr/>
+        </p:nvSpPr>
+        <p:spPr bwMode="auto">
+          <a:xfrm>
+            <a:off x="155575" y="-144463"/>
+            <a:ext cx="304800" cy="304801"/>
+          </a:xfrm>
+          <a:prstGeom prst="rect">
+            <a:avLst/>
+          </a:prstGeom>
+          <a:noFill/>
+          <a:extLst>
+            <a:ext uri="{909E8E84-426E-40DD-AFC4-6F175D3DCCD1}">
+              <a14:hiddenFill xmlns:a14="http://schemas.microsoft.com/office/drawing/2010/main">
+                <a:solidFill>
+                  <a:srgbClr val="FFFFFF"/>
+                </a:solidFill>
+              </a14:hiddenFill>
+            </a:ext>
+          </a:extLst>
+        </p:spPr>
+        <p:txBody>
+          <a:bodyPr vert="horz" wrap="square" lIns="91440" tIns="45720" rIns="91440" bIns="45720" numCol="1" anchor="t" anchorCtr="0" compatLnSpc="1">
+            <a:prstTxWarp prst="textNoShape">
+              <a:avLst/>
+            </a:prstTxWarp>
+          </a:bodyPr>
+          <a:lstStyle/>
+          <a:p>
+            <a:endParaRPr lang="en-IN"/>
+          </a:p>
+        </p:txBody>
+      </p:sp>
+      <p:pic>
+        <p:nvPicPr>
+          <p:cNvPr id="7" name="Picture 6"/>
+          <p:cNvPicPr>
+            <a:picLocks noChangeAspect="1"/>
+          </p:cNvPicPr>
+          <p:nvPr/>
+        </p:nvPicPr>
+        <p:blipFill>
+          <a:blip r:embed="rId2" cstate="print">
+            <a:extLst>
+              <a:ext uri="{28A0092B-C50C-407E-A947-70E740481C1C}">
+                <a14:useLocalDpi xmlns:a14="http://schemas.microsoft.com/office/drawing/2010/main" val="0"/>
+              </a:ext>
+            </a:extLst>
+          </a:blip>
+          <a:stretch>
+            <a:fillRect/>
+          </a:stretch>
+        </p:blipFill>
+        <p:spPr>
+          <a:xfrm>
+            <a:off x="404746" y="542396"/>
+            <a:ext cx="3864338" cy="1024282"/>
+          </a:xfrm>
+          <a:prstGeom prst="rect">
+            <a:avLst/>
+          </a:prstGeom>
+        </p:spPr>
+      </p:pic>
+      <p:pic>
+        <p:nvPicPr>
+          <p:cNvPr id="8" name="Picture 7"/>
+          <p:cNvPicPr>
+            <a:picLocks noChangeAspect="1"/>
+          </p:cNvPicPr>
+          <p:nvPr/>
+        </p:nvPicPr>
+        <p:blipFill>
+          <a:blip r:embed="rId3">
+            <a:extLst>
+              <a:ext uri="{28A0092B-C50C-407E-A947-70E740481C1C}">
+                <a14:useLocalDpi xmlns:a14="http://schemas.microsoft.com/office/drawing/2010/main" val="0"/>
+              </a:ext>
+            </a:extLst>
+          </a:blip>
+          <a:stretch>
+            <a:fillRect/>
+          </a:stretch>
+        </p:blipFill>
+        <p:spPr>
+          <a:xfrm>
+            <a:off x="1129714" y="2311260"/>
+            <a:ext cx="7504834" cy="3752418"/>
+          </a:xfrm>
+          <a:prstGeom prst="rect">
+            <a:avLst/>
+          </a:prstGeom>
+        </p:spPr>
+      </p:pic>
+    </p:spTree>
+    <p:extLst>
+      <p:ext uri="{BB962C8B-B14F-4D97-AF65-F5344CB8AC3E}">
+        <p14:creationId xmlns:p14="http://schemas.microsoft.com/office/powerpoint/2010/main" val="3941223658"/>
+      </p:ext>
+    </p:extLst>
+  </p:cSld>
+  <p:clrMapOvr>
+    <a:masterClrMapping/>
+  </p:clrMapOvr>
+  <p:timing>
+    <p:tnLst>
+      <p:par>
+        <p:cTn id="1" dur="indefinite" restart="never" nodeType="tmRoot"/>
+      </p:par>
+    </p:tnLst>
+  </p:timing>
+</p:sld>
+</file>
+
+<file path=ppt/slides/slide21.xml><?xml version="1.0" encoding="utf-8"?>
+<p:sld xmlns:a="http://schemas.openxmlformats.org/drawingml/2006/main" xmlns:r="http://schemas.openxmlformats.org/officeDocument/2006/relationships" xmlns:p="http://schemas.openxmlformats.org/presentationml/2006/main">
+  <p:cSld>
+    <p:spTree>
+      <p:nvGrpSpPr>
+        <p:cNvPr id="1" name=""/>
+        <p:cNvGrpSpPr/>
+        <p:nvPr/>
+      </p:nvGrpSpPr>
+      <p:grpSpPr>
+        <a:xfrm>
+          <a:off x="0" y="0"/>
+          <a:ext cx="0" cy="0"/>
+          <a:chOff x="0" y="0"/>
+          <a:chExt cx="0" cy="0"/>
+        </a:xfrm>
+      </p:grpSpPr>
+      <p:sp>
+        <p:nvSpPr>
+          <p:cNvPr id="2" name="Title 1"/>
+          <p:cNvSpPr>
+            <a:spLocks noGrp="1"/>
+          </p:cNvSpPr>
+          <p:nvPr>
+            <p:ph type="title"/>
+          </p:nvPr>
+        </p:nvSpPr>
+        <p:spPr>
+          <a:xfrm>
+            <a:off x="337701" y="418011"/>
+            <a:ext cx="8596668" cy="700031"/>
+          </a:xfrm>
+        </p:spPr>
+        <p:txBody>
+          <a:bodyPr>
+            <a:normAutofit fontScale="90000"/>
+          </a:bodyPr>
+          <a:lstStyle/>
+          <a:p>
+            <a:r>
+              <a:rPr lang="en-IN" dirty="0" smtClean="0"/>
+              <a:t>Integrating IFTTT with NodeMCU</a:t>
+            </a:r>
+            <a:endParaRPr lang="en-IN" dirty="0"/>
+          </a:p>
+        </p:txBody>
+      </p:sp>
+      <p:pic>
+        <p:nvPicPr>
+          <p:cNvPr id="4" name="Picture 3"/>
+          <p:cNvPicPr>
+            <a:picLocks noChangeAspect="1"/>
+          </p:cNvPicPr>
+          <p:nvPr/>
+        </p:nvPicPr>
+        <p:blipFill>
+          <a:blip r:embed="rId2">
+            <a:extLst>
+              <a:ext uri="{28A0092B-C50C-407E-A947-70E740481C1C}">
+                <a14:useLocalDpi xmlns:a14="http://schemas.microsoft.com/office/drawing/2010/main" val="0"/>
+              </a:ext>
+            </a:extLst>
+          </a:blip>
+          <a:stretch>
+            <a:fillRect/>
+          </a:stretch>
+        </p:blipFill>
+        <p:spPr>
+          <a:xfrm>
+            <a:off x="4636035" y="1579516"/>
+            <a:ext cx="4495582" cy="4729843"/>
+          </a:xfrm>
+          <a:prstGeom prst="rect">
+            <a:avLst/>
+          </a:prstGeom>
+        </p:spPr>
+      </p:pic>
+      <p:pic>
+        <p:nvPicPr>
+          <p:cNvPr id="5" name="Picture 4"/>
+          <p:cNvPicPr>
+            <a:picLocks noChangeAspect="1"/>
+          </p:cNvPicPr>
+          <p:nvPr/>
+        </p:nvPicPr>
+        <p:blipFill>
+          <a:blip r:embed="rId3">
+            <a:extLst>
+              <a:ext uri="{28A0092B-C50C-407E-A947-70E740481C1C}">
+                <a14:useLocalDpi xmlns:a14="http://schemas.microsoft.com/office/drawing/2010/main" val="0"/>
+              </a:ext>
+            </a:extLst>
+          </a:blip>
+          <a:stretch>
+            <a:fillRect/>
+          </a:stretch>
+        </p:blipFill>
+        <p:spPr>
+          <a:xfrm>
+            <a:off x="727624" y="2833602"/>
+            <a:ext cx="3590925" cy="2457450"/>
+          </a:xfrm>
+          <a:prstGeom prst="rect">
+            <a:avLst/>
+          </a:prstGeom>
+        </p:spPr>
+      </p:pic>
+    </p:spTree>
+    <p:extLst>
+      <p:ext uri="{BB962C8B-B14F-4D97-AF65-F5344CB8AC3E}">
+        <p14:creationId xmlns:p14="http://schemas.microsoft.com/office/powerpoint/2010/main" val="1577386073"/>
+      </p:ext>
+    </p:extLst>
+  </p:cSld>
+  <p:clrMapOvr>
+    <a:masterClrMapping/>
+  </p:clrMapOvr>
+  <p:timing>
+    <p:tnLst>
+      <p:par>
+        <p:cTn id="1" dur="indefinite" restart="never" nodeType="tmRoot"/>
+      </p:par>
+    </p:tnLst>
+  </p:timing>
+</p:sld>
+</file>
+
+<file path=ppt/slides/slide22.xml><?xml version="1.0" encoding="utf-8"?>
+<p:sld xmlns:a="http://schemas.openxmlformats.org/drawingml/2006/main" xmlns:r="http://schemas.openxmlformats.org/officeDocument/2006/relationships" xmlns:p="http://schemas.openxmlformats.org/presentationml/2006/main">
+  <p:cSld>
+    <p:spTree>
+      <p:nvGrpSpPr>
+        <p:cNvPr id="1" name=""/>
+        <p:cNvGrpSpPr/>
+        <p:nvPr/>
+      </p:nvGrpSpPr>
+      <p:grpSpPr>
+        <a:xfrm>
+          <a:off x="0" y="0"/>
+          <a:ext cx="0" cy="0"/>
+          <a:chOff x="0" y="0"/>
+          <a:chExt cx="0" cy="0"/>
+        </a:xfrm>
+      </p:grpSpPr>
+      <p:sp>
+        <p:nvSpPr>
+          <p:cNvPr id="5" name="Title 4"/>
+          <p:cNvSpPr>
+            <a:spLocks noGrp="1"/>
+          </p:cNvSpPr>
+          <p:nvPr>
+            <p:ph type="title"/>
+          </p:nvPr>
+        </p:nvSpPr>
+        <p:spPr>
+          <a:xfrm>
+            <a:off x="2506135" y="2821578"/>
+            <a:ext cx="5187888" cy="856785"/>
+          </a:xfrm>
+        </p:spPr>
+        <p:txBody>
+          <a:bodyPr/>
+          <a:lstStyle/>
+          <a:p>
+            <a:pPr algn="ctr"/>
+            <a:r>
+              <a:rPr lang="en-IN" dirty="0" smtClean="0"/>
+              <a:t>Any Questions ?</a:t>
+            </a:r>
+            <a:endParaRPr lang="en-IN" dirty="0"/>
+          </a:p>
+        </p:txBody>
+      </p:sp>
+    </p:spTree>
+    <p:extLst>
+      <p:ext uri="{BB962C8B-B14F-4D97-AF65-F5344CB8AC3E}">
+        <p14:creationId xmlns:p14="http://schemas.microsoft.com/office/powerpoint/2010/main" val="359008371"/>
       </p:ext>
     </p:extLst>
   </p:cSld>
@@ -6062,66 +7753,25 @@
         </p:nvSpPr>
         <p:spPr>
           <a:xfrm>
-            <a:off x="353485" y="533400"/>
-            <a:ext cx="8596668" cy="641248"/>
-          </a:xfrm>
-        </p:spPr>
-        <p:txBody>
-          <a:bodyPr>
-            <a:normAutofit fontScale="90000"/>
-          </a:bodyPr>
+            <a:off x="337700" y="518160"/>
+            <a:ext cx="8596668" cy="696686"/>
+          </a:xfrm>
+        </p:spPr>
+        <p:txBody>
+          <a:bodyPr/>
           <a:lstStyle/>
           <a:p>
             <a:r>
               <a:rPr lang="en-IN" dirty="0" smtClean="0"/>
-              <a:t>Other Variants</a:t>
+              <a:t>Wi-Fi Standards &amp; Channels</a:t>
             </a:r>
             <a:endParaRPr lang="en-IN" dirty="0"/>
-          </a:p>
-        </p:txBody>
-      </p:sp>
-      <p:sp>
-        <p:nvSpPr>
-          <p:cNvPr id="4" name="AutoShape 4" descr="Related image"/>
-          <p:cNvSpPr>
-            <a:spLocks noChangeAspect="1" noChangeArrowheads="1"/>
-          </p:cNvSpPr>
-          <p:nvPr/>
-        </p:nvSpPr>
-        <p:spPr bwMode="auto">
-          <a:xfrm>
-            <a:off x="155575" y="-144463"/>
-            <a:ext cx="304800" cy="304801"/>
-          </a:xfrm>
-          <a:prstGeom prst="rect">
-            <a:avLst/>
-          </a:prstGeom>
-          <a:noFill/>
-          <a:extLst>
-            <a:ext uri="{909E8E84-426E-40DD-AFC4-6F175D3DCCD1}">
-              <a14:hiddenFill xmlns:a14="http://schemas.microsoft.com/office/drawing/2010/main">
-                <a:solidFill>
-                  <a:srgbClr val="FFFFFF"/>
-                </a:solidFill>
-              </a14:hiddenFill>
-            </a:ext>
-          </a:extLst>
-        </p:spPr>
-        <p:txBody>
-          <a:bodyPr vert="horz" wrap="square" lIns="91440" tIns="45720" rIns="91440" bIns="45720" numCol="1" anchor="t" anchorCtr="0" compatLnSpc="1">
-            <a:prstTxWarp prst="textNoShape">
-              <a:avLst/>
-            </a:prstTxWarp>
-          </a:bodyPr>
-          <a:lstStyle/>
-          <a:p>
-            <a:endParaRPr lang="en-IN"/>
           </a:p>
         </p:txBody>
       </p:sp>
       <p:pic>
         <p:nvPicPr>
-          <p:cNvPr id="5" name="Picture 4"/>
+          <p:cNvPr id="4" name="Picture 3"/>
           <p:cNvPicPr>
             <a:picLocks noChangeAspect="1"/>
           </p:cNvPicPr>
@@ -6141,8 +7791,8 @@
         </p:blipFill>
         <p:spPr>
           <a:xfrm>
-            <a:off x="6442075" y="1666025"/>
-            <a:ext cx="3275310" cy="3275310"/>
+            <a:off x="1278226" y="1502229"/>
+            <a:ext cx="6415797" cy="2562497"/>
           </a:xfrm>
           <a:prstGeom prst="rect">
             <a:avLst/>
@@ -6151,9 +7801,9 @@
       </p:pic>
       <p:pic>
         <p:nvPicPr>
-          <p:cNvPr id="3074" name="Picture 2" descr="Image result for esp8266 variants"/>
+          <p:cNvPr id="8" name="Picture 7"/>
           <p:cNvPicPr>
-            <a:picLocks noChangeAspect="1" noChangeArrowheads="1"/>
+            <a:picLocks noChangeAspect="1"/>
           </p:cNvPicPr>
           <p:nvPr/>
         </p:nvPicPr>
@@ -6165,71 +7815,37 @@
               </a:ext>
             </a:extLst>
           </a:blip>
-          <a:srcRect/>
           <a:stretch>
             <a:fillRect/>
           </a:stretch>
         </p:blipFill>
-        <p:spPr bwMode="auto">
-          <a:xfrm>
-            <a:off x="0" y="1666025"/>
-            <a:ext cx="7231770" cy="4400551"/>
+        <p:spPr>
+          <a:xfrm>
+            <a:off x="1186785" y="4352109"/>
+            <a:ext cx="6507238" cy="2208084"/>
           </a:xfrm>
           <a:prstGeom prst="rect">
             <a:avLst/>
           </a:prstGeom>
-          <a:noFill/>
-          <a:extLst>
-            <a:ext uri="{909E8E84-426E-40DD-AFC4-6F175D3DCCD1}">
-              <a14:hiddenFill xmlns:a14="http://schemas.microsoft.com/office/drawing/2010/main">
-                <a:solidFill>
-                  <a:srgbClr val="FFFFFF"/>
-                </a:solidFill>
-              </a14:hiddenFill>
-            </a:ext>
-          </a:extLst>
         </p:spPr>
       </p:pic>
-      <p:sp>
-        <p:nvSpPr>
-          <p:cNvPr id="6" name="TextBox 5"/>
-          <p:cNvSpPr txBox="1"/>
-          <p:nvPr/>
-        </p:nvSpPr>
-        <p:spPr>
-          <a:xfrm>
-            <a:off x="7275638" y="4954296"/>
-            <a:ext cx="2476500" cy="369332"/>
-          </a:xfrm>
-          <a:prstGeom prst="rect">
-            <a:avLst/>
-          </a:prstGeom>
-          <a:noFill/>
-        </p:spPr>
-        <p:txBody>
-          <a:bodyPr wrap="square" rtlCol="0">
-            <a:spAutoFit/>
-          </a:bodyPr>
-          <a:lstStyle/>
-          <a:p>
-            <a:r>
-              <a:rPr lang="en-IN" b="1" dirty="0" smtClean="0"/>
-              <a:t>ESP32</a:t>
-            </a:r>
-            <a:endParaRPr lang="en-IN" b="1" dirty="0"/>
-          </a:p>
-        </p:txBody>
-      </p:sp>
     </p:spTree>
     <p:extLst>
       <p:ext uri="{BB962C8B-B14F-4D97-AF65-F5344CB8AC3E}">
-        <p14:creationId xmlns:p14="http://schemas.microsoft.com/office/powerpoint/2010/main" val="3705404388"/>
+        <p14:creationId xmlns:p14="http://schemas.microsoft.com/office/powerpoint/2010/main" val="3508255485"/>
       </p:ext>
     </p:extLst>
   </p:cSld>
   <p:clrMapOvr>
     <a:masterClrMapping/>
   </p:clrMapOvr>
+  <p:timing>
+    <p:tnLst>
+      <p:par>
+        <p:cTn id="1" dur="indefinite" restart="never" nodeType="tmRoot"/>
+      </p:par>
+    </p:tnLst>
+  </p:timing>
 </p:sld>
 </file>
 
@@ -6262,125 +7878,78 @@
         </p:nvSpPr>
         <p:spPr>
           <a:xfrm>
-            <a:off x="141131" y="561702"/>
-            <a:ext cx="9132871" cy="1371601"/>
-          </a:xfrm>
-        </p:spPr>
-        <p:txBody>
-          <a:bodyPr>
-            <a:normAutofit/>
-          </a:bodyPr>
-          <a:lstStyle/>
-          <a:p>
-            <a:r>
-              <a:rPr lang="en-US" dirty="0"/>
-              <a:t>Insight Into </a:t>
-            </a:r>
-            <a:r>
-              <a:rPr lang="en-US" dirty="0" smtClean="0"/>
-              <a:t>ESP8266-12E </a:t>
-            </a:r>
-            <a:r>
-              <a:rPr lang="en-US" dirty="0"/>
-              <a:t>NodeMCU Features &amp; Using It With Arduino </a:t>
-            </a:r>
-            <a:r>
-              <a:rPr lang="en-US" dirty="0" smtClean="0"/>
-              <a:t>IDE</a:t>
+            <a:off x="677334" y="609600"/>
+            <a:ext cx="8596668" cy="644434"/>
+          </a:xfrm>
+        </p:spPr>
+        <p:txBody>
+          <a:bodyPr/>
+          <a:lstStyle/>
+          <a:p>
+            <a:r>
+              <a:rPr lang="en-IN" dirty="0"/>
+              <a:t>Servers &amp; its Types </a:t>
+            </a:r>
+          </a:p>
+        </p:txBody>
+      </p:sp>
+      <p:sp>
+        <p:nvSpPr>
+          <p:cNvPr id="3" name="Content Placeholder 2"/>
+          <p:cNvSpPr>
+            <a:spLocks noGrp="1"/>
+          </p:cNvSpPr>
+          <p:nvPr>
+            <p:ph idx="1"/>
+          </p:nvPr>
+        </p:nvSpPr>
+        <p:spPr/>
+        <p:txBody>
+          <a:bodyPr/>
+          <a:lstStyle/>
+          <a:p>
+            <a:r>
+              <a:rPr lang="en-IN" dirty="0" smtClean="0"/>
+              <a:t>WEB Servers [ Apache Http  , Xampp , IIS  ]</a:t>
+            </a:r>
+          </a:p>
+          <a:p>
+            <a:r>
+              <a:rPr lang="en-IN" dirty="0" smtClean="0"/>
+              <a:t>Application Servers [  Tomcat , WebSphere ]</a:t>
+            </a:r>
+          </a:p>
+          <a:p>
+            <a:r>
+              <a:rPr lang="en-IN" dirty="0" smtClean="0"/>
+              <a:t>Database Servers [ SQL , NoSQL ]</a:t>
+            </a:r>
+          </a:p>
+          <a:p>
+            <a:r>
+              <a:rPr lang="en-IN" dirty="0" smtClean="0"/>
+              <a:t>Mail Servers [IMAP , SMTP ]</a:t>
+            </a:r>
+          </a:p>
+          <a:p>
+            <a:r>
+              <a:rPr lang="en-IN" dirty="0" smtClean="0"/>
+              <a:t>FTP Servers</a:t>
+            </a:r>
+          </a:p>
+          <a:p>
+            <a:r>
+              <a:rPr lang="en-IN" dirty="0" smtClean="0"/>
+              <a:t>….</a:t>
             </a:r>
             <a:endParaRPr lang="en-IN" dirty="0"/>
-          </a:p>
-        </p:txBody>
-      </p:sp>
-      <p:pic>
-        <p:nvPicPr>
-          <p:cNvPr id="1026" name="Picture 2" descr="Tutorial of Programming ESP32 in Arduino IDE"/>
-          <p:cNvPicPr>
-            <a:picLocks noChangeAspect="1" noChangeArrowheads="1"/>
-          </p:cNvPicPr>
-          <p:nvPr/>
-        </p:nvPicPr>
-        <p:blipFill>
-          <a:blip r:embed="rId2">
-            <a:extLst>
-              <a:ext uri="{28A0092B-C50C-407E-A947-70E740481C1C}">
-                <a14:useLocalDpi xmlns:a14="http://schemas.microsoft.com/office/drawing/2010/main" val="0"/>
-              </a:ext>
-            </a:extLst>
-          </a:blip>
-          <a:srcRect/>
-          <a:stretch>
-            <a:fillRect/>
-          </a:stretch>
-        </p:blipFill>
-        <p:spPr bwMode="auto">
-          <a:xfrm>
-            <a:off x="469085" y="2517548"/>
-            <a:ext cx="7616824" cy="4152901"/>
-          </a:xfrm>
-          <a:prstGeom prst="rect">
-            <a:avLst/>
-          </a:prstGeom>
-          <a:noFill/>
-          <a:extLst>
-            <a:ext uri="{909E8E84-426E-40DD-AFC4-6F175D3DCCD1}">
-              <a14:hiddenFill xmlns:a14="http://schemas.microsoft.com/office/drawing/2010/main">
-                <a:solidFill>
-                  <a:srgbClr val="FFFFFF"/>
-                </a:solidFill>
-              </a14:hiddenFill>
-            </a:ext>
-          </a:extLst>
-        </p:spPr>
-      </p:pic>
-      <p:sp>
-        <p:nvSpPr>
-          <p:cNvPr id="4" name="TextBox 3"/>
-          <p:cNvSpPr txBox="1"/>
-          <p:nvPr/>
-        </p:nvSpPr>
-        <p:spPr>
-          <a:xfrm>
-            <a:off x="3317964" y="2978330"/>
-            <a:ext cx="2129247" cy="400110"/>
-          </a:xfrm>
-          <a:prstGeom prst="rect">
-            <a:avLst/>
-          </a:prstGeom>
-        </p:spPr>
-        <p:style>
-          <a:lnRef idx="2">
-            <a:schemeClr val="accent2"/>
-          </a:lnRef>
-          <a:fillRef idx="1">
-            <a:schemeClr val="lt1"/>
-          </a:fillRef>
-          <a:effectRef idx="0">
-            <a:schemeClr val="accent2"/>
-          </a:effectRef>
-          <a:fontRef idx="minor">
-            <a:schemeClr val="dk1"/>
-          </a:fontRef>
-        </p:style>
-        <p:txBody>
-          <a:bodyPr wrap="square" rtlCol="0">
-            <a:spAutoFit/>
-          </a:bodyPr>
-          <a:lstStyle/>
-          <a:p>
-            <a:pPr algn="ctr"/>
-            <a:r>
-              <a:rPr lang="en-IN" sz="2000" dirty="0" smtClean="0"/>
-              <a:t>HatchnHack</a:t>
-            </a:r>
-            <a:endParaRPr lang="en-IN" sz="2000" dirty="0"/>
           </a:p>
         </p:txBody>
       </p:sp>
     </p:spTree>
     <p:extLst>
       <p:ext uri="{BB962C8B-B14F-4D97-AF65-F5344CB8AC3E}">
-        <p14:creationId xmlns:p14="http://schemas.microsoft.com/office/powerpoint/2010/main" val="1155035396"/>
+        <p14:creationId xmlns:p14="http://schemas.microsoft.com/office/powerpoint/2010/main" val="3861974374"/>
       </p:ext>
     </p:extLst>
   </p:cSld>
@@ -6426,8 +7995,38 @@
         </p:nvSpPr>
         <p:spPr>
           <a:xfrm>
-            <a:off x="337700" y="365759"/>
-            <a:ext cx="8596668" cy="895974"/>
+            <a:off x="677334" y="609600"/>
+            <a:ext cx="8596668" cy="618309"/>
+          </a:xfrm>
+        </p:spPr>
+        <p:txBody>
+          <a:bodyPr>
+            <a:normAutofit fontScale="90000"/>
+          </a:bodyPr>
+          <a:lstStyle/>
+          <a:p>
+            <a:r>
+              <a:rPr lang="en-IN" dirty="0" smtClean="0"/>
+              <a:t>API  </a:t>
+            </a:r>
+            <a:endParaRPr lang="en-IN" dirty="0"/>
+          </a:p>
+        </p:txBody>
+      </p:sp>
+      <p:sp>
+        <p:nvSpPr>
+          <p:cNvPr id="3" name="Content Placeholder 2"/>
+          <p:cNvSpPr>
+            <a:spLocks noGrp="1"/>
+          </p:cNvSpPr>
+          <p:nvPr>
+            <p:ph idx="1"/>
+          </p:nvPr>
+        </p:nvSpPr>
+        <p:spPr>
+          <a:xfrm>
+            <a:off x="677334" y="3912739"/>
+            <a:ext cx="8596668" cy="1810519"/>
           </a:xfrm>
         </p:spPr>
         <p:txBody>
@@ -6437,185 +8036,449 @@
           <a:lstStyle/>
           <a:p>
             <a:r>
+              <a:rPr lang="en-IN" dirty="0" smtClean="0"/>
+              <a:t>REST (</a:t>
+            </a:r>
+            <a:r>
               <a:rPr lang="en-IN" dirty="0"/>
-              <a:t>ESP-12E </a:t>
+              <a:t>Representational State Transfer </a:t>
             </a:r>
             <a:r>
               <a:rPr lang="en-IN" dirty="0" smtClean="0"/>
-              <a:t>Module</a:t>
+              <a:t>)</a:t>
+            </a:r>
+          </a:p>
+          <a:p>
+            <a:r>
+              <a:rPr lang="en-IN" dirty="0" smtClean="0"/>
+              <a:t>SOAP (</a:t>
+            </a:r>
+            <a:r>
+              <a:rPr lang="en-IN" dirty="0"/>
+              <a:t>Simple Object Access </a:t>
+            </a:r>
+            <a:r>
+              <a:rPr lang="en-IN" dirty="0" smtClean="0"/>
+              <a:t>Protocol)</a:t>
+            </a:r>
+          </a:p>
+          <a:p>
+            <a:r>
+              <a:rPr lang="en-IN" dirty="0"/>
+              <a:t>XML-RPC </a:t>
+            </a:r>
+            <a:r>
+              <a:rPr lang="en-IN" dirty="0" smtClean="0"/>
+              <a:t>  (XML-Remote </a:t>
+            </a:r>
+            <a:r>
+              <a:rPr lang="en-IN" dirty="0"/>
+              <a:t>Procedure Call </a:t>
+            </a:r>
+            <a:r>
+              <a:rPr lang="en-IN" dirty="0" smtClean="0"/>
+              <a:t>)</a:t>
             </a:r>
             <a:endParaRPr lang="en-IN" dirty="0"/>
           </a:p>
-        </p:txBody>
-      </p:sp>
-      <p:sp>
-        <p:nvSpPr>
-          <p:cNvPr id="4" name="AutoShape 4" descr="Related image"/>
-          <p:cNvSpPr>
-            <a:spLocks noChangeAspect="1" noChangeArrowheads="1"/>
+          <a:p>
+            <a:r>
+              <a:rPr lang="en-IN" dirty="0" smtClean="0"/>
+              <a:t>JSON-RPC  (</a:t>
+            </a:r>
+            <a:r>
+              <a:rPr lang="en-IN" dirty="0"/>
+              <a:t>JavaScript Object </a:t>
+            </a:r>
+            <a:r>
+              <a:rPr lang="en-IN" dirty="0" smtClean="0"/>
+              <a:t>Notation -RPC)</a:t>
+            </a:r>
+            <a:endParaRPr lang="en-IN" dirty="0"/>
+          </a:p>
+        </p:txBody>
+      </p:sp>
+      <p:sp>
+        <p:nvSpPr>
+          <p:cNvPr id="4" name="Title 1"/>
+          <p:cNvSpPr txBox="1">
+            <a:spLocks/>
           </p:cNvSpPr>
           <p:nvPr/>
         </p:nvSpPr>
-        <p:spPr bwMode="auto">
-          <a:xfrm>
-            <a:off x="155575" y="-144463"/>
-            <a:ext cx="5134882" cy="5134899"/>
+        <p:spPr>
+          <a:xfrm>
+            <a:off x="542351" y="3023601"/>
+            <a:ext cx="8596668" cy="618309"/>
           </a:xfrm>
           <a:prstGeom prst="rect">
             <a:avLst/>
           </a:prstGeom>
-          <a:noFill/>
-          <a:extLst>
-            <a:ext uri="{909E8E84-426E-40DD-AFC4-6F175D3DCCD1}">
-              <a14:hiddenFill xmlns:a14="http://schemas.microsoft.com/office/drawing/2010/main">
-                <a:solidFill>
-                  <a:srgbClr val="FFFFFF"/>
-                </a:solidFill>
-              </a14:hiddenFill>
-            </a:ext>
-          </a:extLst>
-        </p:spPr>
-        <p:txBody>
-          <a:bodyPr vert="horz" wrap="square" lIns="91440" tIns="45720" rIns="91440" bIns="45720" numCol="1" anchor="t" anchorCtr="0" compatLnSpc="1">
-            <a:prstTxWarp prst="textNoShape">
-              <a:avLst/>
-            </a:prstTxWarp>
+        </p:spPr>
+        <p:txBody>
+          <a:bodyPr vert="horz" lIns="91440" tIns="45720" rIns="91440" bIns="45720" rtlCol="0" anchor="t">
+            <a:normAutofit fontScale="97500" lnSpcReduction="10000"/>
           </a:bodyPr>
-          <a:lstStyle/>
-          <a:p>
-            <a:endParaRPr lang="en-IN"/>
-          </a:p>
-        </p:txBody>
-      </p:sp>
-      <p:sp>
-        <p:nvSpPr>
-          <p:cNvPr id="5" name="AutoShape 6" descr="Related image"/>
-          <p:cNvSpPr>
-            <a:spLocks noChangeAspect="1" noChangeArrowheads="1"/>
+          <a:lstStyle>
+            <a:lvl1pPr algn="l" defTabSz="457200" rtl="0" eaLnBrk="1" latinLnBrk="0" hangingPunct="1">
+              <a:spcBef>
+                <a:spcPct val="0"/>
+              </a:spcBef>
+              <a:buNone/>
+              <a:defRPr sz="3600" kern="1200">
+                <a:solidFill>
+                  <a:schemeClr val="accent1"/>
+                </a:solidFill>
+                <a:latin typeface="+mj-lt"/>
+                <a:ea typeface="+mj-ea"/>
+                <a:cs typeface="+mj-cs"/>
+              </a:defRPr>
+            </a:lvl1pPr>
+            <a:lvl2pPr eaLnBrk="1" hangingPunct="1">
+              <a:defRPr>
+                <a:solidFill>
+                  <a:schemeClr val="tx2"/>
+                </a:solidFill>
+              </a:defRPr>
+            </a:lvl2pPr>
+            <a:lvl3pPr eaLnBrk="1" hangingPunct="1">
+              <a:defRPr>
+                <a:solidFill>
+                  <a:schemeClr val="tx2"/>
+                </a:solidFill>
+              </a:defRPr>
+            </a:lvl3pPr>
+            <a:lvl4pPr eaLnBrk="1" hangingPunct="1">
+              <a:defRPr>
+                <a:solidFill>
+                  <a:schemeClr val="tx2"/>
+                </a:solidFill>
+              </a:defRPr>
+            </a:lvl4pPr>
+            <a:lvl5pPr eaLnBrk="1" hangingPunct="1">
+              <a:defRPr>
+                <a:solidFill>
+                  <a:schemeClr val="tx2"/>
+                </a:solidFill>
+              </a:defRPr>
+            </a:lvl5pPr>
+            <a:lvl6pPr eaLnBrk="1" hangingPunct="1">
+              <a:defRPr>
+                <a:solidFill>
+                  <a:schemeClr val="tx2"/>
+                </a:solidFill>
+              </a:defRPr>
+            </a:lvl6pPr>
+            <a:lvl7pPr eaLnBrk="1" hangingPunct="1">
+              <a:defRPr>
+                <a:solidFill>
+                  <a:schemeClr val="tx2"/>
+                </a:solidFill>
+              </a:defRPr>
+            </a:lvl7pPr>
+            <a:lvl8pPr eaLnBrk="1" hangingPunct="1">
+              <a:defRPr>
+                <a:solidFill>
+                  <a:schemeClr val="tx2"/>
+                </a:solidFill>
+              </a:defRPr>
+            </a:lvl8pPr>
+            <a:lvl9pPr eaLnBrk="1" hangingPunct="1">
+              <a:defRPr>
+                <a:solidFill>
+                  <a:schemeClr val="tx2"/>
+                </a:solidFill>
+              </a:defRPr>
+            </a:lvl9pPr>
+          </a:lstStyle>
+          <a:p>
+            <a:r>
+              <a:rPr lang="en-IN" dirty="0" smtClean="0"/>
+              <a:t>Web Services</a:t>
+            </a:r>
+            <a:endParaRPr lang="en-IN" dirty="0"/>
+          </a:p>
+        </p:txBody>
+      </p:sp>
+      <p:sp>
+        <p:nvSpPr>
+          <p:cNvPr id="5" name="Content Placeholder 2"/>
+          <p:cNvSpPr txBox="1">
+            <a:spLocks/>
           </p:cNvSpPr>
           <p:nvPr/>
         </p:nvSpPr>
-        <p:spPr bwMode="auto">
-          <a:xfrm>
-            <a:off x="155575" y="-144463"/>
-            <a:ext cx="5748836" cy="5748855"/>
+        <p:spPr>
+          <a:xfrm>
+            <a:off x="677334" y="1498738"/>
+            <a:ext cx="8596668" cy="1254034"/>
           </a:xfrm>
           <a:prstGeom prst="rect">
             <a:avLst/>
           </a:prstGeom>
-          <a:noFill/>
-          <a:extLst>
-            <a:ext uri="{909E8E84-426E-40DD-AFC4-6F175D3DCCD1}">
-              <a14:hiddenFill xmlns:a14="http://schemas.microsoft.com/office/drawing/2010/main">
-                <a:solidFill>
-                  <a:srgbClr val="FFFFFF"/>
-                </a:solidFill>
-              </a14:hiddenFill>
-            </a:ext>
-          </a:extLst>
-        </p:spPr>
-        <p:txBody>
-          <a:bodyPr vert="horz" wrap="square" lIns="91440" tIns="45720" rIns="91440" bIns="45720" numCol="1" anchor="t" anchorCtr="0" compatLnSpc="1">
-            <a:prstTxWarp prst="textNoShape">
-              <a:avLst/>
-            </a:prstTxWarp>
+        </p:spPr>
+        <p:txBody>
+          <a:bodyPr vert="horz" lIns="91440" tIns="45720" rIns="91440" bIns="45720" rtlCol="0">
+            <a:normAutofit/>
           </a:bodyPr>
-          <a:lstStyle/>
-          <a:p>
-            <a:endParaRPr lang="en-IN"/>
-          </a:p>
-        </p:txBody>
-      </p:sp>
-      <p:sp>
-        <p:nvSpPr>
-          <p:cNvPr id="6" name="AutoShape 8" descr="https://i.stack.imgur.com/yT4hb.png"/>
-          <p:cNvSpPr>
-            <a:spLocks noChangeAspect="1" noChangeArrowheads="1"/>
-          </p:cNvSpPr>
-          <p:nvPr/>
-        </p:nvSpPr>
-        <p:spPr bwMode="auto">
-          <a:xfrm>
-            <a:off x="155575" y="-144463"/>
-            <a:ext cx="8335282" cy="8335309"/>
-          </a:xfrm>
-          <a:prstGeom prst="rect">
-            <a:avLst/>
-          </a:prstGeom>
-          <a:noFill/>
-          <a:extLst>
-            <a:ext uri="{909E8E84-426E-40DD-AFC4-6F175D3DCCD1}">
-              <a14:hiddenFill xmlns:a14="http://schemas.microsoft.com/office/drawing/2010/main">
-                <a:solidFill>
-                  <a:srgbClr val="FFFFFF"/>
-                </a:solidFill>
-              </a14:hiddenFill>
-            </a:ext>
-          </a:extLst>
-        </p:spPr>
-        <p:txBody>
-          <a:bodyPr vert="horz" wrap="square" lIns="91440" tIns="45720" rIns="91440" bIns="45720" numCol="1" anchor="t" anchorCtr="0" compatLnSpc="1">
-            <a:prstTxWarp prst="textNoShape">
-              <a:avLst/>
-            </a:prstTxWarp>
-          </a:bodyPr>
-          <a:lstStyle/>
-          <a:p>
-            <a:endParaRPr lang="en-IN"/>
-          </a:p>
-        </p:txBody>
-      </p:sp>
-      <p:pic>
-        <p:nvPicPr>
-          <p:cNvPr id="2058" name="Picture 10" descr="Related image"/>
-          <p:cNvPicPr>
-            <a:picLocks noChangeAspect="1" noChangeArrowheads="1"/>
-          </p:cNvPicPr>
-          <p:nvPr/>
-        </p:nvPicPr>
-        <p:blipFill>
-          <a:blip r:embed="rId2" cstate="print">
-            <a:extLst>
-              <a:ext uri="{28A0092B-C50C-407E-A947-70E740481C1C}">
-                <a14:useLocalDpi xmlns:a14="http://schemas.microsoft.com/office/drawing/2010/main" val="0"/>
-              </a:ext>
-            </a:extLst>
-          </a:blip>
-          <a:srcRect/>
-          <a:stretch>
-            <a:fillRect/>
-          </a:stretch>
-        </p:blipFill>
-        <p:spPr bwMode="auto">
-          <a:xfrm>
-            <a:off x="155575" y="1876562"/>
-            <a:ext cx="9953045" cy="4407101"/>
-          </a:xfrm>
-          <a:prstGeom prst="rect">
-            <a:avLst/>
-          </a:prstGeom>
-          <a:noFill/>
-          <a:extLst>
-            <a:ext uri="{909E8E84-426E-40DD-AFC4-6F175D3DCCD1}">
-              <a14:hiddenFill xmlns:a14="http://schemas.microsoft.com/office/drawing/2010/main">
-                <a:solidFill>
-                  <a:srgbClr val="FFFFFF"/>
-                </a:solidFill>
-              </a14:hiddenFill>
-            </a:ext>
-          </a:extLst>
-        </p:spPr>
-      </p:pic>
+          <a:lstStyle>
+            <a:lvl1pPr marL="342900" indent="-342900" algn="l" defTabSz="457200" rtl="0" eaLnBrk="1" latinLnBrk="0" hangingPunct="1">
+              <a:spcBef>
+                <a:spcPts val="1000"/>
+              </a:spcBef>
+              <a:spcAft>
+                <a:spcPts val="0"/>
+              </a:spcAft>
+              <a:buClr>
+                <a:schemeClr val="accent1"/>
+              </a:buClr>
+              <a:buSzPct val="80000"/>
+              <a:buFont typeface="Wingdings 3" charset="2"/>
+              <a:buChar char=""/>
+              <a:defRPr sz="1800" kern="1200">
+                <a:solidFill>
+                  <a:schemeClr val="tx1">
+                    <a:lumMod val="75000"/>
+                    <a:lumOff val="25000"/>
+                  </a:schemeClr>
+                </a:solidFill>
+                <a:latin typeface="+mn-lt"/>
+                <a:ea typeface="+mn-ea"/>
+                <a:cs typeface="+mn-cs"/>
+              </a:defRPr>
+            </a:lvl1pPr>
+            <a:lvl2pPr marL="742950" indent="-285750" algn="l" defTabSz="457200" rtl="0" eaLnBrk="1" latinLnBrk="0" hangingPunct="1">
+              <a:spcBef>
+                <a:spcPts val="1000"/>
+              </a:spcBef>
+              <a:spcAft>
+                <a:spcPts val="0"/>
+              </a:spcAft>
+              <a:buClr>
+                <a:schemeClr val="accent1"/>
+              </a:buClr>
+              <a:buSzPct val="80000"/>
+              <a:buFont typeface="Wingdings 3" charset="2"/>
+              <a:buChar char=""/>
+              <a:defRPr sz="1600" kern="1200">
+                <a:solidFill>
+                  <a:schemeClr val="tx1">
+                    <a:lumMod val="75000"/>
+                    <a:lumOff val="25000"/>
+                  </a:schemeClr>
+                </a:solidFill>
+                <a:latin typeface="+mn-lt"/>
+                <a:ea typeface="+mn-ea"/>
+                <a:cs typeface="+mn-cs"/>
+              </a:defRPr>
+            </a:lvl2pPr>
+            <a:lvl3pPr marL="1143000" indent="-228600" algn="l" defTabSz="457200" rtl="0" eaLnBrk="1" latinLnBrk="0" hangingPunct="1">
+              <a:spcBef>
+                <a:spcPts val="1000"/>
+              </a:spcBef>
+              <a:spcAft>
+                <a:spcPts val="0"/>
+              </a:spcAft>
+              <a:buClr>
+                <a:schemeClr val="accent1"/>
+              </a:buClr>
+              <a:buSzPct val="80000"/>
+              <a:buFont typeface="Wingdings 3" charset="2"/>
+              <a:buChar char=""/>
+              <a:defRPr sz="1400" kern="1200">
+                <a:solidFill>
+                  <a:schemeClr val="tx1">
+                    <a:lumMod val="75000"/>
+                    <a:lumOff val="25000"/>
+                  </a:schemeClr>
+                </a:solidFill>
+                <a:latin typeface="+mn-lt"/>
+                <a:ea typeface="+mn-ea"/>
+                <a:cs typeface="+mn-cs"/>
+              </a:defRPr>
+            </a:lvl3pPr>
+            <a:lvl4pPr marL="1600200" indent="-228600" algn="l" defTabSz="457200" rtl="0" eaLnBrk="1" latinLnBrk="0" hangingPunct="1">
+              <a:spcBef>
+                <a:spcPts val="1000"/>
+              </a:spcBef>
+              <a:spcAft>
+                <a:spcPts val="0"/>
+              </a:spcAft>
+              <a:buClr>
+                <a:schemeClr val="accent1"/>
+              </a:buClr>
+              <a:buSzPct val="80000"/>
+              <a:buFont typeface="Wingdings 3" charset="2"/>
+              <a:buChar char=""/>
+              <a:defRPr sz="1200" kern="1200">
+                <a:solidFill>
+                  <a:schemeClr val="tx1">
+                    <a:lumMod val="75000"/>
+                    <a:lumOff val="25000"/>
+                  </a:schemeClr>
+                </a:solidFill>
+                <a:latin typeface="+mn-lt"/>
+                <a:ea typeface="+mn-ea"/>
+                <a:cs typeface="+mn-cs"/>
+              </a:defRPr>
+            </a:lvl4pPr>
+            <a:lvl5pPr marL="2057400" indent="-228600" algn="l" defTabSz="457200" rtl="0" eaLnBrk="1" latinLnBrk="0" hangingPunct="1">
+              <a:spcBef>
+                <a:spcPts val="1000"/>
+              </a:spcBef>
+              <a:spcAft>
+                <a:spcPts val="0"/>
+              </a:spcAft>
+              <a:buClr>
+                <a:schemeClr val="accent1"/>
+              </a:buClr>
+              <a:buSzPct val="80000"/>
+              <a:buFont typeface="Wingdings 3" charset="2"/>
+              <a:buChar char=""/>
+              <a:defRPr sz="1200" kern="1200">
+                <a:solidFill>
+                  <a:schemeClr val="tx1">
+                    <a:lumMod val="75000"/>
+                    <a:lumOff val="25000"/>
+                  </a:schemeClr>
+                </a:solidFill>
+                <a:latin typeface="+mn-lt"/>
+                <a:ea typeface="+mn-ea"/>
+                <a:cs typeface="+mn-cs"/>
+              </a:defRPr>
+            </a:lvl5pPr>
+            <a:lvl6pPr marL="2514600" indent="-228600" algn="l" defTabSz="457200" rtl="0" eaLnBrk="1" latinLnBrk="0" hangingPunct="1">
+              <a:spcBef>
+                <a:spcPts val="1000"/>
+              </a:spcBef>
+              <a:spcAft>
+                <a:spcPts val="0"/>
+              </a:spcAft>
+              <a:buClr>
+                <a:schemeClr val="accent1"/>
+              </a:buClr>
+              <a:buSzPct val="80000"/>
+              <a:buFont typeface="Wingdings 3" charset="2"/>
+              <a:buChar char=""/>
+              <a:defRPr sz="1200" kern="1200">
+                <a:solidFill>
+                  <a:schemeClr val="tx1">
+                    <a:lumMod val="75000"/>
+                    <a:lumOff val="25000"/>
+                  </a:schemeClr>
+                </a:solidFill>
+                <a:latin typeface="+mn-lt"/>
+                <a:ea typeface="+mn-ea"/>
+                <a:cs typeface="+mn-cs"/>
+              </a:defRPr>
+            </a:lvl6pPr>
+            <a:lvl7pPr marL="2971800" indent="-228600" algn="l" defTabSz="457200" rtl="0" eaLnBrk="1" latinLnBrk="0" hangingPunct="1">
+              <a:spcBef>
+                <a:spcPts val="1000"/>
+              </a:spcBef>
+              <a:spcAft>
+                <a:spcPts val="0"/>
+              </a:spcAft>
+              <a:buClr>
+                <a:schemeClr val="accent1"/>
+              </a:buClr>
+              <a:buSzPct val="80000"/>
+              <a:buFont typeface="Wingdings 3" charset="2"/>
+              <a:buChar char=""/>
+              <a:defRPr sz="1200" kern="1200">
+                <a:solidFill>
+                  <a:schemeClr val="tx1">
+                    <a:lumMod val="75000"/>
+                    <a:lumOff val="25000"/>
+                  </a:schemeClr>
+                </a:solidFill>
+                <a:latin typeface="+mn-lt"/>
+                <a:ea typeface="+mn-ea"/>
+                <a:cs typeface="+mn-cs"/>
+              </a:defRPr>
+            </a:lvl7pPr>
+            <a:lvl8pPr marL="3429000" indent="-228600" algn="l" defTabSz="457200" rtl="0" eaLnBrk="1" latinLnBrk="0" hangingPunct="1">
+              <a:spcBef>
+                <a:spcPts val="1000"/>
+              </a:spcBef>
+              <a:spcAft>
+                <a:spcPts val="0"/>
+              </a:spcAft>
+              <a:buClr>
+                <a:schemeClr val="accent1"/>
+              </a:buClr>
+              <a:buSzPct val="80000"/>
+              <a:buFont typeface="Wingdings 3" charset="2"/>
+              <a:buChar char=""/>
+              <a:defRPr sz="1200" kern="1200">
+                <a:solidFill>
+                  <a:schemeClr val="tx1">
+                    <a:lumMod val="75000"/>
+                    <a:lumOff val="25000"/>
+                  </a:schemeClr>
+                </a:solidFill>
+                <a:latin typeface="+mn-lt"/>
+                <a:ea typeface="+mn-ea"/>
+                <a:cs typeface="+mn-cs"/>
+              </a:defRPr>
+            </a:lvl8pPr>
+            <a:lvl9pPr marL="3886200" indent="-228600" algn="l" defTabSz="457200" rtl="0" eaLnBrk="1" latinLnBrk="0" hangingPunct="1">
+              <a:spcBef>
+                <a:spcPts val="1000"/>
+              </a:spcBef>
+              <a:spcAft>
+                <a:spcPts val="0"/>
+              </a:spcAft>
+              <a:buClr>
+                <a:schemeClr val="accent1"/>
+              </a:buClr>
+              <a:buSzPct val="80000"/>
+              <a:buFont typeface="Wingdings 3" charset="2"/>
+              <a:buChar char=""/>
+              <a:defRPr sz="1200" kern="1200">
+                <a:solidFill>
+                  <a:schemeClr val="tx1">
+                    <a:lumMod val="75000"/>
+                    <a:lumOff val="25000"/>
+                  </a:schemeClr>
+                </a:solidFill>
+                <a:latin typeface="+mn-lt"/>
+                <a:ea typeface="+mn-ea"/>
+                <a:cs typeface="+mn-cs"/>
+              </a:defRPr>
+            </a:lvl9pPr>
+          </a:lstStyle>
+          <a:p>
+            <a:r>
+              <a:rPr lang="en-IN" dirty="0" smtClean="0"/>
+              <a:t>Web Services API’s</a:t>
+            </a:r>
+          </a:p>
+          <a:p>
+            <a:r>
+              <a:rPr lang="en-IN" dirty="0" smtClean="0"/>
+              <a:t>Source-Code API’s</a:t>
+            </a:r>
+          </a:p>
+        </p:txBody>
+      </p:sp>
     </p:spTree>
     <p:extLst>
       <p:ext uri="{BB962C8B-B14F-4D97-AF65-F5344CB8AC3E}">
-        <p14:creationId xmlns:p14="http://schemas.microsoft.com/office/powerpoint/2010/main" val="2195818657"/>
+        <p14:creationId xmlns:p14="http://schemas.microsoft.com/office/powerpoint/2010/main" val="2998520778"/>
       </p:ext>
     </p:extLst>
   </p:cSld>
   <p:clrMapOvr>
     <a:masterClrMapping/>
   </p:clrMapOvr>
+  <p:timing>
+    <p:tnLst>
+      <p:par>
+        <p:cTn id="1" dur="indefinite" restart="never" nodeType="tmRoot"/>
+      </p:par>
+    </p:tnLst>
+  </p:timing>
 </p:sld>
 </file>
 
@@ -6648,19 +8511,223 @@
         </p:nvSpPr>
         <p:spPr>
           <a:xfrm>
-            <a:off x="334435" y="533400"/>
-            <a:ext cx="8596668" cy="679348"/>
+            <a:off x="677334" y="609600"/>
+            <a:ext cx="8596668" cy="683623"/>
+          </a:xfrm>
+        </p:spPr>
+        <p:txBody>
+          <a:bodyPr/>
+          <a:lstStyle/>
+          <a:p>
+            <a:r>
+              <a:rPr lang="en-IN" dirty="0" smtClean="0"/>
+              <a:t>Essentials of Internet</a:t>
+            </a:r>
+            <a:endParaRPr lang="en-IN" dirty="0"/>
+          </a:p>
+        </p:txBody>
+      </p:sp>
+      <p:sp>
+        <p:nvSpPr>
+          <p:cNvPr id="3" name="Content Placeholder 2"/>
+          <p:cNvSpPr>
+            <a:spLocks noGrp="1"/>
+          </p:cNvSpPr>
+          <p:nvPr>
+            <p:ph idx="1"/>
+          </p:nvPr>
+        </p:nvSpPr>
+        <p:spPr>
+          <a:xfrm>
+            <a:off x="677334" y="2160589"/>
+            <a:ext cx="8596668" cy="3417251"/>
           </a:xfrm>
         </p:spPr>
         <p:txBody>
           <a:bodyPr>
-            <a:normAutofit fontScale="90000"/>
+            <a:normAutofit lnSpcReduction="10000"/>
           </a:bodyPr>
           <a:lstStyle/>
           <a:p>
             <a:r>
               <a:rPr lang="en-IN" dirty="0" smtClean="0"/>
-              <a:t>ESP8266-12E Module Pinout</a:t>
+              <a:t>IO Devices [ Sensors, UI ]</a:t>
+            </a:r>
+          </a:p>
+          <a:p>
+            <a:r>
+              <a:rPr lang="en-IN" dirty="0" smtClean="0"/>
+              <a:t>Rendering Engine  [ Browser  etc.]</a:t>
+            </a:r>
+          </a:p>
+          <a:p>
+            <a:r>
+              <a:rPr lang="en-IN" dirty="0" smtClean="0"/>
+              <a:t>URL [ Protocol , Host , Domain , Sub-Domain  etc. ]</a:t>
+            </a:r>
+          </a:p>
+          <a:p>
+            <a:r>
+              <a:rPr lang="en-IN" dirty="0" smtClean="0"/>
+              <a:t>DNS</a:t>
+            </a:r>
+          </a:p>
+          <a:p>
+            <a:r>
+              <a:rPr lang="en-IN" dirty="0" smtClean="0"/>
+              <a:t>HTTP, HTTPS  [SSL, TLS]</a:t>
+            </a:r>
+          </a:p>
+          <a:p>
+            <a:r>
+              <a:rPr lang="en-IN" dirty="0" smtClean="0"/>
+              <a:t>IP Address  [IPV4 | IPV6 ]</a:t>
+            </a:r>
+          </a:p>
+          <a:p>
+            <a:r>
+              <a:rPr lang="en-IN" dirty="0" smtClean="0"/>
+              <a:t>TCP/ IP Stack</a:t>
+            </a:r>
+          </a:p>
+          <a:p>
+            <a:r>
+              <a:rPr lang="en-IN" dirty="0" smtClean="0"/>
+              <a:t>ISP</a:t>
+            </a:r>
+          </a:p>
+          <a:p>
+            <a:r>
+              <a:rPr lang="en-IN" dirty="0" smtClean="0"/>
+              <a:t>Router</a:t>
+            </a:r>
+          </a:p>
+          <a:p>
+            <a:endParaRPr lang="en-IN" dirty="0"/>
+          </a:p>
+        </p:txBody>
+      </p:sp>
+    </p:spTree>
+    <p:extLst>
+      <p:ext uri="{BB962C8B-B14F-4D97-AF65-F5344CB8AC3E}">
+        <p14:creationId xmlns:p14="http://schemas.microsoft.com/office/powerpoint/2010/main" val="3085727457"/>
+      </p:ext>
+    </p:extLst>
+  </p:cSld>
+  <p:clrMapOvr>
+    <a:masterClrMapping/>
+  </p:clrMapOvr>
+  <p:timing>
+    <p:tnLst>
+      <p:par>
+        <p:cTn id="1" dur="indefinite" restart="never" nodeType="tmRoot"/>
+      </p:par>
+    </p:tnLst>
+  </p:timing>
+</p:sld>
+</file>
+
+<file path=ppt/slides/slide7.xml><?xml version="1.0" encoding="utf-8"?>
+<p:sld xmlns:a="http://schemas.openxmlformats.org/drawingml/2006/main" xmlns:r="http://schemas.openxmlformats.org/officeDocument/2006/relationships" xmlns:p="http://schemas.openxmlformats.org/presentationml/2006/main">
+  <p:cSld>
+    <p:spTree>
+      <p:nvGrpSpPr>
+        <p:cNvPr id="1" name=""/>
+        <p:cNvGrpSpPr/>
+        <p:nvPr/>
+      </p:nvGrpSpPr>
+      <p:grpSpPr>
+        <a:xfrm>
+          <a:off x="0" y="0"/>
+          <a:ext cx="0" cy="0"/>
+          <a:chOff x="0" y="0"/>
+          <a:chExt cx="0" cy="0"/>
+        </a:xfrm>
+      </p:grpSpPr>
+      <p:sp>
+        <p:nvSpPr>
+          <p:cNvPr id="2" name="Title 1"/>
+          <p:cNvSpPr>
+            <a:spLocks noGrp="1"/>
+          </p:cNvSpPr>
+          <p:nvPr>
+            <p:ph type="title"/>
+          </p:nvPr>
+        </p:nvSpPr>
+        <p:spPr>
+          <a:xfrm>
+            <a:off x="311574" y="505097"/>
+            <a:ext cx="8596668" cy="735874"/>
+          </a:xfrm>
+        </p:spPr>
+        <p:txBody>
+          <a:bodyPr/>
+          <a:lstStyle/>
+          <a:p>
+            <a:r>
+              <a:rPr lang="en-IN" dirty="0" smtClean="0"/>
+              <a:t>Connecting IOT Devices to Internet</a:t>
+            </a:r>
+            <a:endParaRPr lang="en-IN" dirty="0"/>
+          </a:p>
+        </p:txBody>
+      </p:sp>
+      <p:sp>
+        <p:nvSpPr>
+          <p:cNvPr id="3" name="Content Placeholder 2"/>
+          <p:cNvSpPr>
+            <a:spLocks noGrp="1"/>
+          </p:cNvSpPr>
+          <p:nvPr>
+            <p:ph idx="1"/>
+          </p:nvPr>
+        </p:nvSpPr>
+        <p:spPr>
+          <a:xfrm>
+            <a:off x="572831" y="2082213"/>
+            <a:ext cx="8596668" cy="2267720"/>
+          </a:xfrm>
+        </p:spPr>
+        <p:txBody>
+          <a:bodyPr/>
+          <a:lstStyle/>
+          <a:p>
+            <a:r>
+              <a:rPr lang="en-US" dirty="0" smtClean="0"/>
+              <a:t>Cellular </a:t>
+            </a:r>
+          </a:p>
+          <a:p>
+            <a:r>
+              <a:rPr lang="en-US" dirty="0"/>
+              <a:t>S</a:t>
+            </a:r>
+            <a:r>
+              <a:rPr lang="en-US" dirty="0" smtClean="0"/>
+              <a:t>atellite</a:t>
+            </a:r>
+          </a:p>
+          <a:p>
+            <a:r>
+              <a:rPr lang="en-US" dirty="0" smtClean="0"/>
+              <a:t>Wi-Fi </a:t>
+            </a:r>
+          </a:p>
+          <a:p>
+            <a:r>
+              <a:rPr lang="en-US" dirty="0" smtClean="0"/>
+              <a:t>Bluetooth</a:t>
+            </a:r>
+            <a:endParaRPr lang="en-US" dirty="0"/>
+          </a:p>
+          <a:p>
+            <a:r>
+              <a:rPr lang="en-US" dirty="0" smtClean="0"/>
+              <a:t>RFID,NFC</a:t>
+            </a:r>
+            <a:r>
+              <a:rPr lang="en-US" dirty="0"/>
+              <a:t>, LPWAN, and Ethernet </a:t>
             </a:r>
             <a:endParaRPr lang="en-IN" dirty="0"/>
           </a:p>
@@ -6688,8 +8755,8 @@
         </p:blipFill>
         <p:spPr>
           <a:xfrm>
-            <a:off x="836648" y="1819039"/>
-            <a:ext cx="7867977" cy="4543661"/>
+            <a:off x="4871165" y="1111160"/>
+            <a:ext cx="6953250" cy="5629275"/>
           </a:xfrm>
           <a:prstGeom prst="rect">
             <a:avLst/>
@@ -6699,13 +8766,229 @@
     </p:spTree>
     <p:extLst>
       <p:ext uri="{BB962C8B-B14F-4D97-AF65-F5344CB8AC3E}">
-        <p14:creationId xmlns:p14="http://schemas.microsoft.com/office/powerpoint/2010/main" val="1666685799"/>
+        <p14:creationId xmlns:p14="http://schemas.microsoft.com/office/powerpoint/2010/main" val="3646852426"/>
       </p:ext>
     </p:extLst>
   </p:cSld>
   <p:clrMapOvr>
     <a:masterClrMapping/>
   </p:clrMapOvr>
+  <p:timing>
+    <p:tnLst>
+      <p:par>
+        <p:cTn id="1" dur="indefinite" restart="never" nodeType="tmRoot"/>
+      </p:par>
+    </p:tnLst>
+  </p:timing>
+</p:sld>
+</file>
+
+<file path=ppt/slides/slide8.xml><?xml version="1.0" encoding="utf-8"?>
+<p:sld xmlns:a="http://schemas.openxmlformats.org/drawingml/2006/main" xmlns:r="http://schemas.openxmlformats.org/officeDocument/2006/relationships" xmlns:p="http://schemas.openxmlformats.org/presentationml/2006/main">
+  <p:cSld>
+    <p:spTree>
+      <p:nvGrpSpPr>
+        <p:cNvPr id="1" name=""/>
+        <p:cNvGrpSpPr/>
+        <p:nvPr/>
+      </p:nvGrpSpPr>
+      <p:grpSpPr>
+        <a:xfrm>
+          <a:off x="0" y="0"/>
+          <a:ext cx="0" cy="0"/>
+          <a:chOff x="0" y="0"/>
+          <a:chExt cx="0" cy="0"/>
+        </a:xfrm>
+      </p:grpSpPr>
+      <p:sp>
+        <p:nvSpPr>
+          <p:cNvPr id="2" name="Title 1"/>
+          <p:cNvSpPr>
+            <a:spLocks noGrp="1"/>
+          </p:cNvSpPr>
+          <p:nvPr>
+            <p:ph type="title"/>
+          </p:nvPr>
+        </p:nvSpPr>
+        <p:spPr>
+          <a:xfrm>
+            <a:off x="376888" y="531223"/>
+            <a:ext cx="8596668" cy="709749"/>
+          </a:xfrm>
+        </p:spPr>
+        <p:txBody>
+          <a:bodyPr>
+            <a:normAutofit fontScale="90000"/>
+          </a:bodyPr>
+          <a:lstStyle/>
+          <a:p>
+            <a:r>
+              <a:rPr lang="en-US" b="1" dirty="0" smtClean="0"/>
+              <a:t>Battle </a:t>
+            </a:r>
+            <a:r>
+              <a:rPr lang="en-US" b="1" dirty="0"/>
+              <a:t>of The Protocols (</a:t>
+            </a:r>
+            <a:r>
+              <a:rPr lang="en-US" b="1" dirty="0" smtClean="0"/>
+              <a:t>HTTP vs </a:t>
+            </a:r>
+            <a:r>
+              <a:rPr lang="en-US" b="1" dirty="0"/>
+              <a:t>MQTT)</a:t>
+            </a:r>
+            <a:br>
+              <a:rPr lang="en-US" b="1" dirty="0"/>
+            </a:br>
+            <a:endParaRPr lang="en-IN" dirty="0"/>
+          </a:p>
+        </p:txBody>
+      </p:sp>
+      <p:pic>
+        <p:nvPicPr>
+          <p:cNvPr id="4" name="Picture 3"/>
+          <p:cNvPicPr>
+            <a:picLocks noChangeAspect="1"/>
+          </p:cNvPicPr>
+          <p:nvPr/>
+        </p:nvPicPr>
+        <p:blipFill>
+          <a:blip r:embed="rId2">
+            <a:extLst>
+              <a:ext uri="{28A0092B-C50C-407E-A947-70E740481C1C}">
+                <a14:useLocalDpi xmlns:a14="http://schemas.microsoft.com/office/drawing/2010/main" val="0"/>
+              </a:ext>
+            </a:extLst>
+          </a:blip>
+          <a:stretch>
+            <a:fillRect/>
+          </a:stretch>
+        </p:blipFill>
+        <p:spPr>
+          <a:xfrm>
+            <a:off x="644215" y="1709874"/>
+            <a:ext cx="8329341" cy="4802750"/>
+          </a:xfrm>
+          <a:prstGeom prst="rect">
+            <a:avLst/>
+          </a:prstGeom>
+        </p:spPr>
+      </p:pic>
+    </p:spTree>
+    <p:extLst>
+      <p:ext uri="{BB962C8B-B14F-4D97-AF65-F5344CB8AC3E}">
+        <p14:creationId xmlns:p14="http://schemas.microsoft.com/office/powerpoint/2010/main" val="3983001528"/>
+      </p:ext>
+    </p:extLst>
+  </p:cSld>
+  <p:clrMapOvr>
+    <a:masterClrMapping/>
+  </p:clrMapOvr>
+  <p:timing>
+    <p:tnLst>
+      <p:par>
+        <p:cTn id="1" dur="indefinite" restart="never" nodeType="tmRoot"/>
+      </p:par>
+    </p:tnLst>
+  </p:timing>
+</p:sld>
+</file>
+
+<file path=ppt/slides/slide9.xml><?xml version="1.0" encoding="utf-8"?>
+<p:sld xmlns:a="http://schemas.openxmlformats.org/drawingml/2006/main" xmlns:r="http://schemas.openxmlformats.org/officeDocument/2006/relationships" xmlns:p="http://schemas.openxmlformats.org/presentationml/2006/main">
+  <p:cSld>
+    <p:spTree>
+      <p:nvGrpSpPr>
+        <p:cNvPr id="1" name=""/>
+        <p:cNvGrpSpPr/>
+        <p:nvPr/>
+      </p:nvGrpSpPr>
+      <p:grpSpPr>
+        <a:xfrm>
+          <a:off x="0" y="0"/>
+          <a:ext cx="0" cy="0"/>
+          <a:chOff x="0" y="0"/>
+          <a:chExt cx="0" cy="0"/>
+        </a:xfrm>
+      </p:grpSpPr>
+      <p:sp>
+        <p:nvSpPr>
+          <p:cNvPr id="2" name="Title 1"/>
+          <p:cNvSpPr>
+            <a:spLocks noGrp="1"/>
+          </p:cNvSpPr>
+          <p:nvPr>
+            <p:ph type="title"/>
+          </p:nvPr>
+        </p:nvSpPr>
+        <p:spPr>
+          <a:xfrm>
+            <a:off x="677334" y="609600"/>
+            <a:ext cx="8596668" cy="579120"/>
+          </a:xfrm>
+        </p:spPr>
+        <p:txBody>
+          <a:bodyPr>
+            <a:normAutofit fontScale="90000"/>
+          </a:bodyPr>
+          <a:lstStyle/>
+          <a:p>
+            <a:r>
+              <a:rPr lang="en-IN" dirty="0" smtClean="0"/>
+              <a:t>OSI Model</a:t>
+            </a:r>
+            <a:endParaRPr lang="en-IN" dirty="0"/>
+          </a:p>
+        </p:txBody>
+      </p:sp>
+      <p:pic>
+        <p:nvPicPr>
+          <p:cNvPr id="4" name="Picture 3"/>
+          <p:cNvPicPr>
+            <a:picLocks noChangeAspect="1"/>
+          </p:cNvPicPr>
+          <p:nvPr/>
+        </p:nvPicPr>
+        <p:blipFill>
+          <a:blip r:embed="rId2">
+            <a:extLst>
+              <a:ext uri="{28A0092B-C50C-407E-A947-70E740481C1C}">
+                <a14:useLocalDpi xmlns:a14="http://schemas.microsoft.com/office/drawing/2010/main" val="0"/>
+              </a:ext>
+            </a:extLst>
+          </a:blip>
+          <a:stretch>
+            <a:fillRect/>
+          </a:stretch>
+        </p:blipFill>
+        <p:spPr>
+          <a:xfrm>
+            <a:off x="677334" y="1664829"/>
+            <a:ext cx="8579249" cy="4847624"/>
+          </a:xfrm>
+          <a:prstGeom prst="rect">
+            <a:avLst/>
+          </a:prstGeom>
+        </p:spPr>
+      </p:pic>
+    </p:spTree>
+    <p:extLst>
+      <p:ext uri="{BB962C8B-B14F-4D97-AF65-F5344CB8AC3E}">
+        <p14:creationId xmlns:p14="http://schemas.microsoft.com/office/powerpoint/2010/main" val="3740591225"/>
+      </p:ext>
+    </p:extLst>
+  </p:cSld>
+  <p:clrMapOvr>
+    <a:masterClrMapping/>
+  </p:clrMapOvr>
+  <p:timing>
+    <p:tnLst>
+      <p:par>
+        <p:cTn id="1" dur="indefinite" restart="never" nodeType="tmRoot"/>
+      </p:par>
+    </p:tnLst>
+  </p:timing>
 </p:sld>
 </file>
 
